--- a/QES Survey 20220210.pptx
+++ b/QES Survey 20220210.pptx
@@ -5,24 +5,21 @@
     <p:sldMasterId id="2147483648" r:id="rId1"/>
   </p:sldMasterIdLst>
   <p:notesMasterIdLst>
-    <p:notesMasterId r:id="rId17"/>
+    <p:notesMasterId r:id="rId14"/>
   </p:notesMasterIdLst>
   <p:sldIdLst>
     <p:sldId id="256" r:id="rId2"/>
     <p:sldId id="257" r:id="rId3"/>
-    <p:sldId id="258" r:id="rId4"/>
-    <p:sldId id="259" r:id="rId5"/>
-    <p:sldId id="260" r:id="rId6"/>
-    <p:sldId id="262" r:id="rId7"/>
-    <p:sldId id="263" r:id="rId8"/>
-    <p:sldId id="264" r:id="rId9"/>
-    <p:sldId id="265" r:id="rId10"/>
-    <p:sldId id="266" r:id="rId11"/>
-    <p:sldId id="267" r:id="rId12"/>
-    <p:sldId id="268" r:id="rId13"/>
-    <p:sldId id="269" r:id="rId14"/>
-    <p:sldId id="270" r:id="rId15"/>
-    <p:sldId id="271" r:id="rId16"/>
+    <p:sldId id="259" r:id="rId4"/>
+    <p:sldId id="262" r:id="rId5"/>
+    <p:sldId id="263" r:id="rId6"/>
+    <p:sldId id="272" r:id="rId7"/>
+    <p:sldId id="266" r:id="rId8"/>
+    <p:sldId id="267" r:id="rId9"/>
+    <p:sldId id="268" r:id="rId10"/>
+    <p:sldId id="269" r:id="rId11"/>
+    <p:sldId id="270" r:id="rId12"/>
+    <p:sldId id="271" r:id="rId13"/>
   </p:sldIdLst>
   <p:sldSz cx="12192000" cy="6858000"/>
   <p:notesSz cx="6858000" cy="9144000"/>
@@ -121,6 +118,11 @@
       </a:defRPr>
     </a:lvl9pPr>
   </p:defaultTextStyle>
+  <p:extLst>
+    <p:ext uri="{EFAFB233-063F-42B5-8137-9DF3F51BA10A}">
+      <p15:sldGuideLst xmlns:p15="http://schemas.microsoft.com/office/powerpoint/2012/main"/>
+    </p:ext>
+  </p:extLst>
 </p:presentation>
 </file>
 
@@ -206,7 +208,7 @@
           <a:p>
             <a:fld id="{112BB3CE-F26F-4E4C-A4EC-7CFFB1F7D9C0}" type="datetimeFigureOut">
               <a:rPr lang="en-NL" smtClean="0"/>
-              <a:t>10/02/2022</a:t>
+              <a:t>11/02/2022</a:t>
             </a:fld>
             <a:endParaRPr lang="en-NL"/>
           </a:p>
@@ -579,99 +581,6 @@
 </p:notes>
 </file>
 
-<file path=ppt/notesSlides/notesSlide10.xml><?xml version="1.0" encoding="utf-8"?>
-<p:notes xmlns:a="http://schemas.openxmlformats.org/drawingml/2006/main" xmlns:r="http://schemas.openxmlformats.org/officeDocument/2006/relationships" xmlns:p="http://schemas.openxmlformats.org/presentationml/2006/main">
-  <p:cSld>
-    <p:spTree>
-      <p:nvGrpSpPr>
-        <p:cNvPr id="1" name=""/>
-        <p:cNvGrpSpPr/>
-        <p:nvPr/>
-      </p:nvGrpSpPr>
-      <p:grpSpPr>
-        <a:xfrm>
-          <a:off x="0" y="0"/>
-          <a:ext cx="0" cy="0"/>
-          <a:chOff x="0" y="0"/>
-          <a:chExt cx="0" cy="0"/>
-        </a:xfrm>
-      </p:grpSpPr>
-      <p:sp>
-        <p:nvSpPr>
-          <p:cNvPr id="2" name="Slide Image Placeholder 1"/>
-          <p:cNvSpPr>
-            <a:spLocks noGrp="1" noRot="1" noChangeAspect="1"/>
-          </p:cNvSpPr>
-          <p:nvPr>
-            <p:ph type="sldImg"/>
-          </p:nvPr>
-        </p:nvSpPr>
-        <p:spPr/>
-      </p:sp>
-      <p:sp>
-        <p:nvSpPr>
-          <p:cNvPr id="3" name="Notes Placeholder 2"/>
-          <p:cNvSpPr>
-            <a:spLocks noGrp="1"/>
-          </p:cNvSpPr>
-          <p:nvPr>
-            <p:ph type="body" idx="1"/>
-          </p:nvPr>
-        </p:nvSpPr>
-        <p:spPr/>
-        <p:txBody>
-          <a:bodyPr/>
-          <a:lstStyle/>
-          <a:p>
-            <a:r>
-              <a:rPr lang="en-NL" dirty="0"/>
-              <a:t>Let’s remember here that being ”out” doesn’t mean running around all day with a giant gay flag. It simply means that you don’t have to lie to your co-workers or family about what you’ve done on the weekend, or not having to lie about who you share your life with. </a:t>
-            </a:r>
-          </a:p>
-          <a:p>
-            <a:r>
-              <a:rPr lang="en-NL" dirty="0"/>
-              <a:t>So yes, being out or not is important, and can have a great impact on quality of life. </a:t>
-            </a:r>
-          </a:p>
-        </p:txBody>
-      </p:sp>
-      <p:sp>
-        <p:nvSpPr>
-          <p:cNvPr id="4" name="Slide Number Placeholder 3"/>
-          <p:cNvSpPr>
-            <a:spLocks noGrp="1"/>
-          </p:cNvSpPr>
-          <p:nvPr>
-            <p:ph type="sldNum" sz="quarter" idx="5"/>
-          </p:nvPr>
-        </p:nvSpPr>
-        <p:spPr/>
-        <p:txBody>
-          <a:bodyPr/>
-          <a:lstStyle/>
-          <a:p>
-            <a:fld id="{F2911CFE-5546-E94F-9C6D-4D5382DC3FB9}" type="slidenum">
-              <a:rPr lang="en-NL" smtClean="0"/>
-              <a:t>12</a:t>
-            </a:fld>
-            <a:endParaRPr lang="en-NL"/>
-          </a:p>
-        </p:txBody>
-      </p:sp>
-    </p:spTree>
-    <p:extLst>
-      <p:ext uri="{BB962C8B-B14F-4D97-AF65-F5344CB8AC3E}">
-        <p14:creationId xmlns:p14="http://schemas.microsoft.com/office/powerpoint/2010/main" val="2233892016"/>
-      </p:ext>
-    </p:extLst>
-  </p:cSld>
-  <p:clrMapOvr>
-    <a:masterClrMapping/>
-  </p:clrMapOvr>
-</p:notes>
-</file>
-
 <file path=ppt/notesSlides/notesSlide2.xml><?xml version="1.0" encoding="utf-8"?>
 <p:notes xmlns:a="http://schemas.openxmlformats.org/drawingml/2006/main" xmlns:r="http://schemas.openxmlformats.org/officeDocument/2006/relationships" xmlns:p="http://schemas.openxmlformats.org/presentationml/2006/main">
   <p:cSld>
@@ -718,42 +627,20 @@
           <a:p>
             <a:r>
               <a:rPr lang="en-NL" dirty="0"/>
-              <a:t>Survey to answer questions like: </a:t>
+              <a:t>Casual jokes are not funny, and offensive language does hurt. </a:t>
             </a:r>
           </a:p>
           <a:p>
             <a:r>
               <a:rPr lang="en-NL" dirty="0"/>
-              <a:t>Do LGBT people feel: </a:t>
-            </a:r>
-          </a:p>
-          <a:p>
-            <a:pPr lvl="1"/>
+              <a:t>25% of resopndents think it’s very widespread. And 60% of all respondents think it is fairly to very widespead. </a:t>
+            </a:r>
+          </a:p>
+          <a:p>
             <a:r>
               <a:rPr lang="en-NL" dirty="0"/>
-              <a:t>Comfortable being their authentic selves in daily life? </a:t>
-            </a:r>
-          </a:p>
-          <a:p>
-            <a:pPr lvl="1"/>
-            <a:r>
-              <a:rPr lang="en-NL" dirty="0"/>
-              <a:t>Treated equally? </a:t>
-            </a:r>
-          </a:p>
-          <a:p>
-            <a:pPr lvl="1"/>
-            <a:r>
-              <a:rPr lang="en-GB" dirty="0"/>
-              <a:t>O</a:t>
-            </a:r>
-            <a:r>
-              <a:rPr lang="en-NL" dirty="0"/>
-              <a:t>r even safe? </a:t>
-            </a:r>
-          </a:p>
-          <a:p>
-            <a:endParaRPr lang="en-NL" dirty="0"/>
+              <a:t>Another 25% think it’s farly rare, which is better. But even hearing “fairly rarely” cruel jokes about your peers has an impact on people. </a:t>
+            </a:r>
           </a:p>
         </p:txBody>
       </p:sp>
@@ -774,7 +661,7 @@
           <a:p>
             <a:fld id="{F2911CFE-5546-E94F-9C6D-4D5382DC3FB9}" type="slidenum">
               <a:rPr lang="en-NL" smtClean="0"/>
-              <a:t>3</a:t>
+              <a:t>4</a:t>
             </a:fld>
             <a:endParaRPr lang="en-NL"/>
           </a:p>
@@ -783,7 +670,7 @@
     </p:spTree>
     <p:extLst>
       <p:ext uri="{BB962C8B-B14F-4D97-AF65-F5344CB8AC3E}">
-        <p14:creationId xmlns:p14="http://schemas.microsoft.com/office/powerpoint/2010/main" val="1508875046"/>
+        <p14:creationId xmlns:p14="http://schemas.microsoft.com/office/powerpoint/2010/main" val="1970870862"/>
       </p:ext>
     </p:extLst>
   </p:cSld>
@@ -837,85 +724,53 @@
           <a:bodyPr/>
           <a:lstStyle/>
           <a:p>
-            <a:r>
-              <a:rPr lang="en-NL" dirty="0"/>
-              <a:t>Findings: </a:t>
-            </a:r>
-          </a:p>
-          <a:p>
-            <a:endParaRPr lang="en-NL" dirty="0"/>
-          </a:p>
-          <a:p>
-            <a:pPr marL="285750" indent="-285750">
+            <a:pPr marL="0" marR="0" lvl="0" indent="0" algn="l" defTabSz="914400" rtl="0" eaLnBrk="1" fontAlgn="auto" latinLnBrk="0" hangingPunct="1">
+              <a:lnSpc>
+                <a:spcPct val="100000"/>
+              </a:lnSpc>
               <a:spcBef>
-                <a:spcPts val="600"/>
+                <a:spcPts val="0"/>
               </a:spcBef>
               <a:spcAft>
-                <a:spcPts val="600"/>
+                <a:spcPts val="0"/>
               </a:spcAft>
-              <a:buFont typeface="Arial" panose="020B0604020202020204" pitchFamily="34" charset="0"/>
-              <a:buChar char="•"/>
+              <a:buClrTx/>
+              <a:buSzTx/>
+              <a:buFontTx/>
+              <a:buNone/>
+              <a:tabLst/>
+              <a:defRPr/>
             </a:pPr>
             <a:r>
               <a:rPr lang="en-NL" dirty="0"/>
-              <a:t>Malta, Finland and Luxembourg are highgly respresented with more than 0.1 % of the population participating in the survey. </a:t>
-            </a:r>
-          </a:p>
-          <a:p>
-            <a:pPr marL="285750" indent="-285750">
+              <a:t>Offensive language and casual jokes are widespread, but what about  actual expression of hatred, assault and harassment? </a:t>
+            </a:r>
+          </a:p>
+          <a:p>
+            <a:pPr marL="0" marR="0" lvl="0" indent="0" algn="l" defTabSz="914400" rtl="0" eaLnBrk="1" fontAlgn="auto" latinLnBrk="0" hangingPunct="1">
+              <a:lnSpc>
+                <a:spcPct val="100000"/>
+              </a:lnSpc>
               <a:spcBef>
-                <a:spcPts val="600"/>
+                <a:spcPts val="0"/>
               </a:spcBef>
               <a:spcAft>
-                <a:spcPts val="600"/>
+                <a:spcPts val="0"/>
               </a:spcAft>
-              <a:buFont typeface="Arial" panose="020B0604020202020204" pitchFamily="34" charset="0"/>
-              <a:buChar char="•"/>
+              <a:buClrTx/>
+              <a:buSzTx/>
+              <a:buFontTx/>
+              <a:buNone/>
+              <a:tabLst/>
+              <a:defRPr/>
             </a:pPr>
             <a:r>
               <a:rPr lang="en-NL" dirty="0"/>
-              <a:t>In 8 countries less than 0.04% of the population participated. </a:t>
-            </a:r>
-          </a:p>
-          <a:p>
-            <a:pPr marL="285750" indent="-285750">
-              <a:spcBef>
-                <a:spcPts val="600"/>
-              </a:spcBef>
-              <a:spcAft>
-                <a:spcPts val="600"/>
-              </a:spcAft>
-              <a:buFont typeface="Arial" panose="020B0604020202020204" pitchFamily="34" charset="0"/>
-              <a:buChar char="•"/>
-            </a:pPr>
-            <a:r>
-              <a:rPr lang="en-NL" dirty="0"/>
-              <a:t>There is no correlation between the situation of LGBT people in a country and low participation. </a:t>
+              <a:t>It’s not as bad, but still shockingly common to hear! </a:t>
             </a:r>
           </a:p>
           <a:p>
             <a:endParaRPr lang="en-NL" dirty="0"/>
-          </a:p>
-          <a:p>
-            <a:r>
-              <a:rPr lang="en-NL" dirty="0"/>
-              <a:t>Yes, I made a pie-chart! Because expectation was 50/50 balance between men and women. </a:t>
-            </a:r>
-          </a:p>
-          <a:p>
-            <a:r>
-              <a:rPr lang="en-NL" dirty="0"/>
-              <a:t>But this highlights the inbalance in the survey sample, where men (gay men specifically) are overly represented. </a:t>
-            </a:r>
-          </a:p>
-          <a:p>
-            <a:endParaRPr lang="en-NL" dirty="0"/>
-          </a:p>
-          <a:p>
-            <a:r>
-              <a:rPr lang="en-NL" dirty="0"/>
-              <a:t>Unfortuantely we don’t have any other data, so we have to use what is available. </a:t>
-            </a:r>
           </a:p>
         </p:txBody>
       </p:sp>
@@ -945,7 +800,7 @@
     </p:spTree>
     <p:extLst>
       <p:ext uri="{BB962C8B-B14F-4D97-AF65-F5344CB8AC3E}">
-        <p14:creationId xmlns:p14="http://schemas.microsoft.com/office/powerpoint/2010/main" val="1207250128"/>
+        <p14:creationId xmlns:p14="http://schemas.microsoft.com/office/powerpoint/2010/main" val="1816721596"/>
       </p:ext>
     </p:extLst>
   </p:cSld>
@@ -1001,19 +856,7 @@
           <a:p>
             <a:r>
               <a:rPr lang="en-NL" dirty="0"/>
-              <a:t>Casual jokes are not funny, and offensive language does hurt. </a:t>
-            </a:r>
-          </a:p>
-          <a:p>
-            <a:r>
-              <a:rPr lang="en-NL" dirty="0"/>
-              <a:t>25% of resopndents think it’s very widespread. And 60% of all respondents think it is fairly to very widespead. </a:t>
-            </a:r>
-          </a:p>
-          <a:p>
-            <a:r>
-              <a:rPr lang="en-NL" dirty="0"/>
-              <a:t>Another 25% think it’s farly rare, which is better. But even hearing “fairly rarely” cruel jokes about your peers has an impact on people. </a:t>
+              <a:t>Discrimination can range from being refused service (cabs in Amsterdam) to being passed on for a promotion at work, etc. This happened to 45% of the respondents in the last year (prior to the survey). It happened most often at work and school/university. Two areas that have high impact on people’s current and future life. </a:t>
             </a:r>
           </a:p>
         </p:txBody>
@@ -1044,7 +887,7 @@
     </p:spTree>
     <p:extLst>
       <p:ext uri="{BB962C8B-B14F-4D97-AF65-F5344CB8AC3E}">
-        <p14:creationId xmlns:p14="http://schemas.microsoft.com/office/powerpoint/2010/main" val="1970870862"/>
+        <p14:creationId xmlns:p14="http://schemas.microsoft.com/office/powerpoint/2010/main" val="4162580650"/>
       </p:ext>
     </p:extLst>
   </p:cSld>
@@ -1098,53 +941,10 @@
           <a:bodyPr/>
           <a:lstStyle/>
           <a:p>
-            <a:pPr marL="0" marR="0" lvl="0" indent="0" algn="l" defTabSz="914400" rtl="0" eaLnBrk="1" fontAlgn="auto" latinLnBrk="0" hangingPunct="1">
-              <a:lnSpc>
-                <a:spcPct val="100000"/>
-              </a:lnSpc>
-              <a:spcBef>
-                <a:spcPts val="0"/>
-              </a:spcBef>
-              <a:spcAft>
-                <a:spcPts val="0"/>
-              </a:spcAft>
-              <a:buClrTx/>
-              <a:buSzTx/>
-              <a:buFontTx/>
-              <a:buNone/>
-              <a:tabLst/>
-              <a:defRPr/>
-            </a:pPr>
             <a:r>
               <a:rPr lang="en-NL" dirty="0"/>
-              <a:t>Offensive language and casual jokes are widespread, but what about  actual expression of hatred, assault and harassment? </a:t>
-            </a:r>
-          </a:p>
-          <a:p>
-            <a:pPr marL="0" marR="0" lvl="0" indent="0" algn="l" defTabSz="914400" rtl="0" eaLnBrk="1" fontAlgn="auto" latinLnBrk="0" hangingPunct="1">
-              <a:lnSpc>
-                <a:spcPct val="100000"/>
-              </a:lnSpc>
-              <a:spcBef>
-                <a:spcPts val="0"/>
-              </a:spcBef>
-              <a:spcAft>
-                <a:spcPts val="0"/>
-              </a:spcAft>
-              <a:buClrTx/>
-              <a:buSzTx/>
-              <a:buFontTx/>
-              <a:buNone/>
-              <a:tabLst/>
-              <a:defRPr/>
-            </a:pPr>
-            <a:r>
-              <a:rPr lang="en-NL" dirty="0"/>
-              <a:t>It’s not as bad, but still shockingly common to hear! </a:t>
-            </a:r>
-          </a:p>
-          <a:p>
-            <a:endParaRPr lang="en-NL" dirty="0"/>
+              <a:t>Adding up the instances of discrimination paints a much grimmer picture, with some countries reaching almost 100% of instances of discrimination per respondent. </a:t>
+            </a:r>
           </a:p>
         </p:txBody>
       </p:sp>
@@ -1174,7 +974,7 @@
     </p:spTree>
     <p:extLst>
       <p:ext uri="{BB962C8B-B14F-4D97-AF65-F5344CB8AC3E}">
-        <p14:creationId xmlns:p14="http://schemas.microsoft.com/office/powerpoint/2010/main" val="1816721596"/>
+        <p14:creationId xmlns:p14="http://schemas.microsoft.com/office/powerpoint/2010/main" val="3690456104"/>
       </p:ext>
     </p:extLst>
   </p:cSld>
@@ -1230,7 +1030,7 @@
           <a:p>
             <a:r>
               <a:rPr lang="en-NL" dirty="0"/>
-              <a:t>Discrimination can range from being refused service (cabs in Amsterdam) to being passed on for a promotion at work, etc. This happened to 45% of the respondents in the last year (prior to the survey). </a:t>
+              <a:t>We are no longer talking about being offensive language, or being discriminated against, but about being directly attacked simply for being who you are. </a:t>
             </a:r>
           </a:p>
         </p:txBody>
@@ -1261,7 +1061,7 @@
     </p:spTree>
     <p:extLst>
       <p:ext uri="{BB962C8B-B14F-4D97-AF65-F5344CB8AC3E}">
-        <p14:creationId xmlns:p14="http://schemas.microsoft.com/office/powerpoint/2010/main" val="1734802865"/>
+        <p14:creationId xmlns:p14="http://schemas.microsoft.com/office/powerpoint/2010/main" val="381330856"/>
       </p:ext>
     </p:extLst>
   </p:cSld>
@@ -1317,15 +1117,13 @@
           <a:p>
             <a:r>
               <a:rPr lang="en-NL" dirty="0"/>
-              <a:t>We can also see that people can be discriminated against in more than one are of their life. T</a:t>
-            </a:r>
-            <a:r>
-              <a:rPr lang="en-GB" dirty="0"/>
-              <a:t>h</a:t>
-            </a:r>
+              <a:t>Let’s remember here that being ”out” doesn’t mean running around all day with a giant gay flag. It simply means that you don’t have to lie to your co-workers or family about what you’ve done on the weekend, or not having to lie about who you share your life with. </a:t>
+            </a:r>
+          </a:p>
+          <a:p>
             <a:r>
               <a:rPr lang="en-NL" dirty="0"/>
-              <a:t>is got me curious, so I checked again the cumulative discrimination per country… </a:t>
+              <a:t>So yes, being out or not is important, and can have a great impact on quality of life. </a:t>
             </a:r>
           </a:p>
         </p:txBody>
@@ -1356,181 +1154,7 @@
     </p:spTree>
     <p:extLst>
       <p:ext uri="{BB962C8B-B14F-4D97-AF65-F5344CB8AC3E}">
-        <p14:creationId xmlns:p14="http://schemas.microsoft.com/office/powerpoint/2010/main" val="3985289586"/>
-      </p:ext>
-    </p:extLst>
-  </p:cSld>
-  <p:clrMapOvr>
-    <a:masterClrMapping/>
-  </p:clrMapOvr>
-</p:notes>
-</file>
-
-<file path=ppt/notesSlides/notesSlide8.xml><?xml version="1.0" encoding="utf-8"?>
-<p:notes xmlns:a="http://schemas.openxmlformats.org/drawingml/2006/main" xmlns:r="http://schemas.openxmlformats.org/officeDocument/2006/relationships" xmlns:p="http://schemas.openxmlformats.org/presentationml/2006/main">
-  <p:cSld>
-    <p:spTree>
-      <p:nvGrpSpPr>
-        <p:cNvPr id="1" name=""/>
-        <p:cNvGrpSpPr/>
-        <p:nvPr/>
-      </p:nvGrpSpPr>
-      <p:grpSpPr>
-        <a:xfrm>
-          <a:off x="0" y="0"/>
-          <a:ext cx="0" cy="0"/>
-          <a:chOff x="0" y="0"/>
-          <a:chExt cx="0" cy="0"/>
-        </a:xfrm>
-      </p:grpSpPr>
-      <p:sp>
-        <p:nvSpPr>
-          <p:cNvPr id="2" name="Slide Image Placeholder 1"/>
-          <p:cNvSpPr>
-            <a:spLocks noGrp="1" noRot="1" noChangeAspect="1"/>
-          </p:cNvSpPr>
-          <p:nvPr>
-            <p:ph type="sldImg"/>
-          </p:nvPr>
-        </p:nvSpPr>
-        <p:spPr/>
-      </p:sp>
-      <p:sp>
-        <p:nvSpPr>
-          <p:cNvPr id="3" name="Notes Placeholder 2"/>
-          <p:cNvSpPr>
-            <a:spLocks noGrp="1"/>
-          </p:cNvSpPr>
-          <p:nvPr>
-            <p:ph type="body" idx="1"/>
-          </p:nvPr>
-        </p:nvSpPr>
-        <p:spPr/>
-        <p:txBody>
-          <a:bodyPr/>
-          <a:lstStyle/>
-          <a:p>
-            <a:r>
-              <a:rPr lang="en-NL" dirty="0"/>
-              <a:t>Adding up the instances of discrimination paints a much grimmer picture, with some countries reaching almost 100% of instances of discrimination per respondent. </a:t>
-            </a:r>
-          </a:p>
-        </p:txBody>
-      </p:sp>
-      <p:sp>
-        <p:nvSpPr>
-          <p:cNvPr id="4" name="Slide Number Placeholder 3"/>
-          <p:cNvSpPr>
-            <a:spLocks noGrp="1"/>
-          </p:cNvSpPr>
-          <p:nvPr>
-            <p:ph type="sldNum" sz="quarter" idx="5"/>
-          </p:nvPr>
-        </p:nvSpPr>
-        <p:spPr/>
-        <p:txBody>
-          <a:bodyPr/>
-          <a:lstStyle/>
-          <a:p>
-            <a:fld id="{F2911CFE-5546-E94F-9C6D-4D5382DC3FB9}" type="slidenum">
-              <a:rPr lang="en-NL" smtClean="0"/>
-              <a:t>10</a:t>
-            </a:fld>
-            <a:endParaRPr lang="en-NL"/>
-          </a:p>
-        </p:txBody>
-      </p:sp>
-    </p:spTree>
-    <p:extLst>
-      <p:ext uri="{BB962C8B-B14F-4D97-AF65-F5344CB8AC3E}">
-        <p14:creationId xmlns:p14="http://schemas.microsoft.com/office/powerpoint/2010/main" val="3690456104"/>
-      </p:ext>
-    </p:extLst>
-  </p:cSld>
-  <p:clrMapOvr>
-    <a:masterClrMapping/>
-  </p:clrMapOvr>
-</p:notes>
-</file>
-
-<file path=ppt/notesSlides/notesSlide9.xml><?xml version="1.0" encoding="utf-8"?>
-<p:notes xmlns:a="http://schemas.openxmlformats.org/drawingml/2006/main" xmlns:r="http://schemas.openxmlformats.org/officeDocument/2006/relationships" xmlns:p="http://schemas.openxmlformats.org/presentationml/2006/main">
-  <p:cSld>
-    <p:spTree>
-      <p:nvGrpSpPr>
-        <p:cNvPr id="1" name=""/>
-        <p:cNvGrpSpPr/>
-        <p:nvPr/>
-      </p:nvGrpSpPr>
-      <p:grpSpPr>
-        <a:xfrm>
-          <a:off x="0" y="0"/>
-          <a:ext cx="0" cy="0"/>
-          <a:chOff x="0" y="0"/>
-          <a:chExt cx="0" cy="0"/>
-        </a:xfrm>
-      </p:grpSpPr>
-      <p:sp>
-        <p:nvSpPr>
-          <p:cNvPr id="2" name="Slide Image Placeholder 1"/>
-          <p:cNvSpPr>
-            <a:spLocks noGrp="1" noRot="1" noChangeAspect="1"/>
-          </p:cNvSpPr>
-          <p:nvPr>
-            <p:ph type="sldImg"/>
-          </p:nvPr>
-        </p:nvSpPr>
-        <p:spPr/>
-      </p:sp>
-      <p:sp>
-        <p:nvSpPr>
-          <p:cNvPr id="3" name="Notes Placeholder 2"/>
-          <p:cNvSpPr>
-            <a:spLocks noGrp="1"/>
-          </p:cNvSpPr>
-          <p:nvPr>
-            <p:ph type="body" idx="1"/>
-          </p:nvPr>
-        </p:nvSpPr>
-        <p:spPr/>
-        <p:txBody>
-          <a:bodyPr/>
-          <a:lstStyle/>
-          <a:p>
-            <a:r>
-              <a:rPr lang="en-NL" dirty="0"/>
-              <a:t>We are no longer talking about being offensive language, or being discriminated against, but about being directly attacked simply for being who you are. </a:t>
-            </a:r>
-          </a:p>
-        </p:txBody>
-      </p:sp>
-      <p:sp>
-        <p:nvSpPr>
-          <p:cNvPr id="4" name="Slide Number Placeholder 3"/>
-          <p:cNvSpPr>
-            <a:spLocks noGrp="1"/>
-          </p:cNvSpPr>
-          <p:nvPr>
-            <p:ph type="sldNum" sz="quarter" idx="5"/>
-          </p:nvPr>
-        </p:nvSpPr>
-        <p:spPr/>
-        <p:txBody>
-          <a:bodyPr/>
-          <a:lstStyle/>
-          <a:p>
-            <a:fld id="{F2911CFE-5546-E94F-9C6D-4D5382DC3FB9}" type="slidenum">
-              <a:rPr lang="en-NL" smtClean="0"/>
-              <a:t>11</a:t>
-            </a:fld>
-            <a:endParaRPr lang="en-NL"/>
-          </a:p>
-        </p:txBody>
-      </p:sp>
-    </p:spTree>
-    <p:extLst>
-      <p:ext uri="{BB962C8B-B14F-4D97-AF65-F5344CB8AC3E}">
-        <p14:creationId xmlns:p14="http://schemas.microsoft.com/office/powerpoint/2010/main" val="381330856"/>
+        <p14:creationId xmlns:p14="http://schemas.microsoft.com/office/powerpoint/2010/main" val="2233892016"/>
       </p:ext>
     </p:extLst>
   </p:cSld>
@@ -1689,7 +1313,7 @@
           <a:p>
             <a:fld id="{6D90EC80-6954-E043-BB42-9AD8E4908E2F}" type="datetimeFigureOut">
               <a:rPr lang="en-NL" smtClean="0"/>
-              <a:t>10/02/2022</a:t>
+              <a:t>11/02/2022</a:t>
             </a:fld>
             <a:endParaRPr lang="en-NL"/>
           </a:p>
@@ -1889,7 +1513,7 @@
           <a:p>
             <a:fld id="{6D90EC80-6954-E043-BB42-9AD8E4908E2F}" type="datetimeFigureOut">
               <a:rPr lang="en-NL" smtClean="0"/>
-              <a:t>10/02/2022</a:t>
+              <a:t>11/02/2022</a:t>
             </a:fld>
             <a:endParaRPr lang="en-NL"/>
           </a:p>
@@ -2099,7 +1723,7 @@
           <a:p>
             <a:fld id="{6D90EC80-6954-E043-BB42-9AD8E4908E2F}" type="datetimeFigureOut">
               <a:rPr lang="en-NL" smtClean="0"/>
-              <a:t>10/02/2022</a:t>
+              <a:t>11/02/2022</a:t>
             </a:fld>
             <a:endParaRPr lang="en-NL"/>
           </a:p>
@@ -2299,7 +1923,7 @@
           <a:p>
             <a:fld id="{6D90EC80-6954-E043-BB42-9AD8E4908E2F}" type="datetimeFigureOut">
               <a:rPr lang="en-NL" smtClean="0"/>
-              <a:t>10/02/2022</a:t>
+              <a:t>11/02/2022</a:t>
             </a:fld>
             <a:endParaRPr lang="en-NL"/>
           </a:p>
@@ -2575,7 +2199,7 @@
           <a:p>
             <a:fld id="{6D90EC80-6954-E043-BB42-9AD8E4908E2F}" type="datetimeFigureOut">
               <a:rPr lang="en-NL" smtClean="0"/>
-              <a:t>10/02/2022</a:t>
+              <a:t>11/02/2022</a:t>
             </a:fld>
             <a:endParaRPr lang="en-NL"/>
           </a:p>
@@ -2843,7 +2467,7 @@
           <a:p>
             <a:fld id="{6D90EC80-6954-E043-BB42-9AD8E4908E2F}" type="datetimeFigureOut">
               <a:rPr lang="en-NL" smtClean="0"/>
-              <a:t>10/02/2022</a:t>
+              <a:t>11/02/2022</a:t>
             </a:fld>
             <a:endParaRPr lang="en-NL"/>
           </a:p>
@@ -3258,7 +2882,7 @@
           <a:p>
             <a:fld id="{6D90EC80-6954-E043-BB42-9AD8E4908E2F}" type="datetimeFigureOut">
               <a:rPr lang="en-NL" smtClean="0"/>
-              <a:t>10/02/2022</a:t>
+              <a:t>11/02/2022</a:t>
             </a:fld>
             <a:endParaRPr lang="en-NL"/>
           </a:p>
@@ -3400,7 +3024,7 @@
           <a:p>
             <a:fld id="{6D90EC80-6954-E043-BB42-9AD8E4908E2F}" type="datetimeFigureOut">
               <a:rPr lang="en-NL" smtClean="0"/>
-              <a:t>10/02/2022</a:t>
+              <a:t>11/02/2022</a:t>
             </a:fld>
             <a:endParaRPr lang="en-NL"/>
           </a:p>
@@ -3513,7 +3137,7 @@
           <a:p>
             <a:fld id="{6D90EC80-6954-E043-BB42-9AD8E4908E2F}" type="datetimeFigureOut">
               <a:rPr lang="en-NL" smtClean="0"/>
-              <a:t>10/02/2022</a:t>
+              <a:t>11/02/2022</a:t>
             </a:fld>
             <a:endParaRPr lang="en-NL"/>
           </a:p>
@@ -3826,7 +3450,7 @@
           <a:p>
             <a:fld id="{6D90EC80-6954-E043-BB42-9AD8E4908E2F}" type="datetimeFigureOut">
               <a:rPr lang="en-NL" smtClean="0"/>
-              <a:t>10/02/2022</a:t>
+              <a:t>11/02/2022</a:t>
             </a:fld>
             <a:endParaRPr lang="en-NL"/>
           </a:p>
@@ -4115,7 +3739,7 @@
           <a:p>
             <a:fld id="{6D90EC80-6954-E043-BB42-9AD8E4908E2F}" type="datetimeFigureOut">
               <a:rPr lang="en-NL" smtClean="0"/>
-              <a:t>10/02/2022</a:t>
+              <a:t>11/02/2022</a:t>
             </a:fld>
             <a:endParaRPr lang="en-NL"/>
           </a:p>
@@ -4358,7 +3982,7 @@
           <a:p>
             <a:fld id="{6D90EC80-6954-E043-BB42-9AD8E4908E2F}" type="datetimeFigureOut">
               <a:rPr lang="en-NL" smtClean="0"/>
-              <a:t>10/02/2022</a:t>
+              <a:t>11/02/2022</a:t>
             </a:fld>
             <a:endParaRPr lang="en-NL"/>
           </a:p>
@@ -4961,40 +4585,12 @@
           <a:chExt cx="0" cy="0"/>
         </a:xfrm>
       </p:grpSpPr>
-      <p:sp>
-        <p:nvSpPr>
-          <p:cNvPr id="2" name="Title 1">
-            <a:extLst>
-              <a:ext uri="{FF2B5EF4-FFF2-40B4-BE49-F238E27FC236}">
-                <a16:creationId xmlns:a16="http://schemas.microsoft.com/office/drawing/2014/main" id="{FD89630E-FF8D-564F-99EB-3C2213C56B90}"/>
-              </a:ext>
-            </a:extLst>
-          </p:cNvPr>
-          <p:cNvSpPr>
-            <a:spLocks noGrp="1"/>
-          </p:cNvSpPr>
-          <p:nvPr>
-            <p:ph type="title"/>
-          </p:nvPr>
-        </p:nvSpPr>
-        <p:spPr/>
-        <p:txBody>
-          <a:bodyPr/>
-          <a:lstStyle/>
-          <a:p>
-            <a:r>
-              <a:rPr lang="en-NL" dirty="0"/>
-              <a:t>What does adding up the instances of discrimination mean on country level?  </a:t>
-            </a:r>
-          </a:p>
-        </p:txBody>
-      </p:sp>
       <p:pic>
         <p:nvPicPr>
           <p:cNvPr id="5" name="Content Placeholder 4" descr="Map&#10;&#10;Description automatically generated">
             <a:extLst>
               <a:ext uri="{FF2B5EF4-FFF2-40B4-BE49-F238E27FC236}">
-                <a16:creationId xmlns:a16="http://schemas.microsoft.com/office/drawing/2014/main" id="{E6FD13B1-7C3C-F749-B86E-1C10F0C281D3}"/>
+                <a16:creationId xmlns:a16="http://schemas.microsoft.com/office/drawing/2014/main" id="{F44371DC-25F6-A24D-B07E-5C86BFB5E9F8}"/>
               </a:ext>
             </a:extLst>
           </p:cNvPr>
@@ -5006,23 +4602,58 @@
           </p:nvPr>
         </p:nvPicPr>
         <p:blipFill rotWithShape="1">
-          <a:blip r:embed="rId3"/>
-          <a:srcRect l="25111" t="6320" r="23800" b="2522"/>
+          <a:blip r:embed="rId2"/>
+          <a:srcRect l="28054" t="4616" r="23011" b="2262"/>
           <a:stretch/>
         </p:blipFill>
         <p:spPr>
           <a:xfrm>
-            <a:off x="6374026" y="1569308"/>
-            <a:ext cx="4069493" cy="5288692"/>
+            <a:off x="7185052" y="1"/>
+            <a:ext cx="5006948" cy="6858000"/>
           </a:xfrm>
         </p:spPr>
       </p:pic>
       <p:sp>
         <p:nvSpPr>
+          <p:cNvPr id="2" name="Title 1">
+            <a:extLst>
+              <a:ext uri="{FF2B5EF4-FFF2-40B4-BE49-F238E27FC236}">
+                <a16:creationId xmlns:a16="http://schemas.microsoft.com/office/drawing/2014/main" id="{AB6A33D0-BA58-A74D-B4D3-BF08E38DB976}"/>
+              </a:ext>
+            </a:extLst>
+          </p:cNvPr>
+          <p:cNvSpPr>
+            <a:spLocks noGrp="1"/>
+          </p:cNvSpPr>
+          <p:nvPr>
+            <p:ph type="title"/>
+          </p:nvPr>
+        </p:nvSpPr>
+        <p:spPr>
+          <a:xfrm>
+            <a:off x="838199" y="365125"/>
+            <a:ext cx="8449235" cy="2100169"/>
+          </a:xfrm>
+        </p:spPr>
+        <p:txBody>
+          <a:bodyPr>
+            <a:normAutofit/>
+          </a:bodyPr>
+          <a:lstStyle/>
+          <a:p>
+            <a:r>
+              <a:rPr lang="en-NL" dirty="0"/>
+              <a:t>Being open or not, how does that differ per country? </a:t>
+            </a:r>
+          </a:p>
+        </p:txBody>
+      </p:sp>
+      <p:sp>
+        <p:nvSpPr>
           <p:cNvPr id="6" name="TextBox 5">
             <a:extLst>
               <a:ext uri="{FF2B5EF4-FFF2-40B4-BE49-F238E27FC236}">
-                <a16:creationId xmlns:a16="http://schemas.microsoft.com/office/drawing/2014/main" id="{A841BF94-4BA4-5C4F-B370-AC3B011C8C2E}"/>
+                <a16:creationId xmlns:a16="http://schemas.microsoft.com/office/drawing/2014/main" id="{77CB5488-0A3A-FF4E-B49D-0B351BEEDE7D}"/>
               </a:ext>
             </a:extLst>
           </p:cNvPr>
@@ -5031,8 +4662,8 @@
         </p:nvSpPr>
         <p:spPr>
           <a:xfrm>
-            <a:off x="951471" y="2409568"/>
-            <a:ext cx="5144530" cy="646331"/>
+            <a:off x="1013012" y="3155576"/>
+            <a:ext cx="6172040" cy="923330"/>
           </a:xfrm>
           <a:prstGeom prst="rect">
             <a:avLst/>
@@ -5047,7 +4678,7 @@
           <a:p>
             <a:r>
               <a:rPr lang="en-NL" dirty="0"/>
-              <a:t>The overall situation looks worse, and the differences per country are significantly higher. </a:t>
+              <a:t>There are visible differences between countries. While there is some correlation with countries with higher discrimination, it is not directly correlated. </a:t>
             </a:r>
           </a:p>
         </p:txBody>
@@ -5055,7 +4686,7 @@
     </p:spTree>
     <p:extLst>
       <p:ext uri="{BB962C8B-B14F-4D97-AF65-F5344CB8AC3E}">
-        <p14:creationId xmlns:p14="http://schemas.microsoft.com/office/powerpoint/2010/main" val="538735974"/>
+        <p14:creationId xmlns:p14="http://schemas.microsoft.com/office/powerpoint/2010/main" val="1020187878"/>
       </p:ext>
     </p:extLst>
   </p:cSld>
@@ -5087,449 +4718,6 @@
           <p:cNvPr id="2" name="Title 1">
             <a:extLst>
               <a:ext uri="{FF2B5EF4-FFF2-40B4-BE49-F238E27FC236}">
-                <a16:creationId xmlns:a16="http://schemas.microsoft.com/office/drawing/2014/main" id="{FD14D317-BD41-7447-8FCE-9413308EB859}"/>
-              </a:ext>
-            </a:extLst>
-          </p:cNvPr>
-          <p:cNvSpPr>
-            <a:spLocks noGrp="1"/>
-          </p:cNvSpPr>
-          <p:nvPr>
-            <p:ph type="title"/>
-          </p:nvPr>
-        </p:nvSpPr>
-        <p:spPr/>
-        <p:txBody>
-          <a:bodyPr/>
-          <a:lstStyle/>
-          <a:p>
-            <a:r>
-              <a:rPr lang="en-NL" dirty="0"/>
-              <a:t>What about direct assaults or threats?</a:t>
-            </a:r>
-          </a:p>
-        </p:txBody>
-      </p:sp>
-      <p:pic>
-        <p:nvPicPr>
-          <p:cNvPr id="9" name="Content Placeholder 8">
-            <a:extLst>
-              <a:ext uri="{FF2B5EF4-FFF2-40B4-BE49-F238E27FC236}">
-                <a16:creationId xmlns:a16="http://schemas.microsoft.com/office/drawing/2014/main" id="{4B87EBB9-2A8E-8C4C-9D8F-9F7799D5B6E8}"/>
-              </a:ext>
-            </a:extLst>
-          </p:cNvPr>
-          <p:cNvPicPr>
-            <a:picLocks noGrp="1" noChangeAspect="1"/>
-          </p:cNvPicPr>
-          <p:nvPr>
-            <p:ph idx="1"/>
-          </p:nvPr>
-        </p:nvPicPr>
-        <p:blipFill>
-          <a:blip r:embed="rId3"/>
-          <a:stretch>
-            <a:fillRect/>
-          </a:stretch>
-        </p:blipFill>
-        <p:spPr>
-          <a:xfrm>
-            <a:off x="838200" y="2188222"/>
-            <a:ext cx="10515600" cy="1240778"/>
-          </a:xfrm>
-        </p:spPr>
-      </p:pic>
-      <p:pic>
-        <p:nvPicPr>
-          <p:cNvPr id="11" name="Picture 10">
-            <a:extLst>
-              <a:ext uri="{FF2B5EF4-FFF2-40B4-BE49-F238E27FC236}">
-                <a16:creationId xmlns:a16="http://schemas.microsoft.com/office/drawing/2014/main" id="{E420B597-C87B-3444-9A63-3283F89CA406}"/>
-              </a:ext>
-            </a:extLst>
-          </p:cNvPr>
-          <p:cNvPicPr>
-            <a:picLocks noChangeAspect="1"/>
-          </p:cNvPicPr>
-          <p:nvPr/>
-        </p:nvPicPr>
-        <p:blipFill>
-          <a:blip r:embed="rId4"/>
-          <a:stretch>
-            <a:fillRect/>
-          </a:stretch>
-        </p:blipFill>
-        <p:spPr>
-          <a:xfrm>
-            <a:off x="838200" y="3926534"/>
-            <a:ext cx="10515600" cy="1240779"/>
-          </a:xfrm>
-          <a:prstGeom prst="rect">
-            <a:avLst/>
-          </a:prstGeom>
-        </p:spPr>
-      </p:pic>
-      <p:sp>
-        <p:nvSpPr>
-          <p:cNvPr id="12" name="TextBox 11">
-            <a:extLst>
-              <a:ext uri="{FF2B5EF4-FFF2-40B4-BE49-F238E27FC236}">
-                <a16:creationId xmlns:a16="http://schemas.microsoft.com/office/drawing/2014/main" id="{12FD4F77-0496-3B48-9730-78C554889B85}"/>
-              </a:ext>
-            </a:extLst>
-          </p:cNvPr>
-          <p:cNvSpPr txBox="1"/>
-          <p:nvPr/>
-        </p:nvSpPr>
-        <p:spPr>
-          <a:xfrm>
-            <a:off x="838200" y="5467825"/>
-            <a:ext cx="9959546" cy="923330"/>
-          </a:xfrm>
-          <a:prstGeom prst="rect">
-            <a:avLst/>
-          </a:prstGeom>
-          <a:noFill/>
-        </p:spPr>
-        <p:txBody>
-          <a:bodyPr wrap="square" rtlCol="0">
-            <a:spAutoFit/>
-          </a:bodyPr>
-          <a:lstStyle/>
-          <a:p>
-            <a:r>
-              <a:rPr lang="en-NL" dirty="0"/>
-              <a:t>While 45% of respondents have been personally harassed at east once in the last 5 years, the figure drops to 24% when refering to actual assault or threats of violence. </a:t>
-            </a:r>
-          </a:p>
-          <a:p>
-            <a:r>
-              <a:rPr lang="en-NL" dirty="0"/>
-              <a:t>Still, 1 in 4 LGBT person in the EU has been faced with assault or threats of violence. </a:t>
-            </a:r>
-          </a:p>
-        </p:txBody>
-      </p:sp>
-      <p:sp>
-        <p:nvSpPr>
-          <p:cNvPr id="13" name="TextBox 12">
-            <a:extLst>
-              <a:ext uri="{FF2B5EF4-FFF2-40B4-BE49-F238E27FC236}">
-                <a16:creationId xmlns:a16="http://schemas.microsoft.com/office/drawing/2014/main" id="{76290A76-627F-5146-B80D-F2430CCD0C06}"/>
-              </a:ext>
-            </a:extLst>
-          </p:cNvPr>
-          <p:cNvSpPr txBox="1"/>
-          <p:nvPr/>
-        </p:nvSpPr>
-        <p:spPr>
-          <a:xfrm>
-            <a:off x="838200" y="1845366"/>
-            <a:ext cx="3483133" cy="369332"/>
-          </a:xfrm>
-          <a:prstGeom prst="rect">
-            <a:avLst/>
-          </a:prstGeom>
-          <a:noFill/>
-        </p:spPr>
-        <p:txBody>
-          <a:bodyPr wrap="none" rtlCol="0">
-            <a:spAutoFit/>
-          </a:bodyPr>
-          <a:lstStyle/>
-          <a:p>
-            <a:r>
-              <a:rPr lang="en-NL" dirty="0"/>
-              <a:t>In the last 5 years, have you been…</a:t>
-            </a:r>
-          </a:p>
-        </p:txBody>
-      </p:sp>
-    </p:spTree>
-    <p:extLst>
-      <p:ext uri="{BB962C8B-B14F-4D97-AF65-F5344CB8AC3E}">
-        <p14:creationId xmlns:p14="http://schemas.microsoft.com/office/powerpoint/2010/main" val="439448617"/>
-      </p:ext>
-    </p:extLst>
-  </p:cSld>
-  <p:clrMapOvr>
-    <a:masterClrMapping/>
-  </p:clrMapOvr>
-</p:sld>
-</file>
-
-<file path=ppt/slides/slide12.xml><?xml version="1.0" encoding="utf-8"?>
-<p:sld xmlns:a="http://schemas.openxmlformats.org/drawingml/2006/main" xmlns:r="http://schemas.openxmlformats.org/officeDocument/2006/relationships" xmlns:p="http://schemas.openxmlformats.org/presentationml/2006/main">
-  <p:cSld>
-    <p:spTree>
-      <p:nvGrpSpPr>
-        <p:cNvPr id="1" name=""/>
-        <p:cNvGrpSpPr/>
-        <p:nvPr/>
-      </p:nvGrpSpPr>
-      <p:grpSpPr>
-        <a:xfrm>
-          <a:off x="0" y="0"/>
-          <a:ext cx="0" cy="0"/>
-          <a:chOff x="0" y="0"/>
-          <a:chExt cx="0" cy="0"/>
-        </a:xfrm>
-      </p:grpSpPr>
-      <p:sp>
-        <p:nvSpPr>
-          <p:cNvPr id="2" name="Title 1">
-            <a:extLst>
-              <a:ext uri="{FF2B5EF4-FFF2-40B4-BE49-F238E27FC236}">
-                <a16:creationId xmlns:a16="http://schemas.microsoft.com/office/drawing/2014/main" id="{C5F729F0-01FC-7A44-8E20-C633B329724E}"/>
-              </a:ext>
-            </a:extLst>
-          </p:cNvPr>
-          <p:cNvSpPr>
-            <a:spLocks noGrp="1"/>
-          </p:cNvSpPr>
-          <p:nvPr>
-            <p:ph type="title"/>
-          </p:nvPr>
-        </p:nvSpPr>
-        <p:spPr/>
-        <p:txBody>
-          <a:bodyPr/>
-          <a:lstStyle/>
-          <a:p>
-            <a:r>
-              <a:rPr lang="en-NL" dirty="0"/>
-              <a:t>Given the issues, can respondents be open about being LGBT? </a:t>
-            </a:r>
-          </a:p>
-        </p:txBody>
-      </p:sp>
-      <p:pic>
-        <p:nvPicPr>
-          <p:cNvPr id="5" name="Content Placeholder 4" descr="A picture containing chart&#10;&#10;Description automatically generated">
-            <a:extLst>
-              <a:ext uri="{FF2B5EF4-FFF2-40B4-BE49-F238E27FC236}">
-                <a16:creationId xmlns:a16="http://schemas.microsoft.com/office/drawing/2014/main" id="{9AE8425F-27FD-444C-B013-9D75B2E0FB0E}"/>
-              </a:ext>
-            </a:extLst>
-          </p:cNvPr>
-          <p:cNvPicPr>
-            <a:picLocks noGrp="1" noChangeAspect="1"/>
-          </p:cNvPicPr>
-          <p:nvPr>
-            <p:ph idx="1"/>
-          </p:nvPr>
-        </p:nvPicPr>
-        <p:blipFill>
-          <a:blip r:embed="rId3"/>
-          <a:stretch>
-            <a:fillRect/>
-          </a:stretch>
-        </p:blipFill>
-        <p:spPr>
-          <a:xfrm>
-            <a:off x="838200" y="2084738"/>
-            <a:ext cx="10515600" cy="1707750"/>
-          </a:xfrm>
-        </p:spPr>
-      </p:pic>
-      <p:sp>
-        <p:nvSpPr>
-          <p:cNvPr id="6" name="TextBox 5">
-            <a:extLst>
-              <a:ext uri="{FF2B5EF4-FFF2-40B4-BE49-F238E27FC236}">
-                <a16:creationId xmlns:a16="http://schemas.microsoft.com/office/drawing/2014/main" id="{DF3FB288-0481-0046-B2FD-742332CB4581}"/>
-              </a:ext>
-            </a:extLst>
-          </p:cNvPr>
-          <p:cNvSpPr txBox="1"/>
-          <p:nvPr/>
-        </p:nvSpPr>
-        <p:spPr>
-          <a:xfrm>
-            <a:off x="864973" y="4226011"/>
-            <a:ext cx="10488827" cy="646331"/>
-          </a:xfrm>
-          <a:prstGeom prst="rect">
-            <a:avLst/>
-          </a:prstGeom>
-          <a:noFill/>
-        </p:spPr>
-        <p:txBody>
-          <a:bodyPr wrap="square" rtlCol="0">
-            <a:spAutoFit/>
-          </a:bodyPr>
-          <a:lstStyle/>
-          <a:p>
-            <a:r>
-              <a:rPr lang="en-NL" dirty="0"/>
-              <a:t>When being LGBT comes with so much negativity or even violence, some people have to hide. For 44% of respondents  this means they cannot be themselves around all/most people. </a:t>
-            </a:r>
-          </a:p>
-        </p:txBody>
-      </p:sp>
-    </p:spTree>
-    <p:extLst>
-      <p:ext uri="{BB962C8B-B14F-4D97-AF65-F5344CB8AC3E}">
-        <p14:creationId xmlns:p14="http://schemas.microsoft.com/office/powerpoint/2010/main" val="457864551"/>
-      </p:ext>
-    </p:extLst>
-  </p:cSld>
-  <p:clrMapOvr>
-    <a:masterClrMapping/>
-  </p:clrMapOvr>
-</p:sld>
-</file>
-
-<file path=ppt/slides/slide13.xml><?xml version="1.0" encoding="utf-8"?>
-<p:sld xmlns:a="http://schemas.openxmlformats.org/drawingml/2006/main" xmlns:r="http://schemas.openxmlformats.org/officeDocument/2006/relationships" xmlns:p="http://schemas.openxmlformats.org/presentationml/2006/main">
-  <p:cSld>
-    <p:spTree>
-      <p:nvGrpSpPr>
-        <p:cNvPr id="1" name=""/>
-        <p:cNvGrpSpPr/>
-        <p:nvPr/>
-      </p:nvGrpSpPr>
-      <p:grpSpPr>
-        <a:xfrm>
-          <a:off x="0" y="0"/>
-          <a:ext cx="0" cy="0"/>
-          <a:chOff x="0" y="0"/>
-          <a:chExt cx="0" cy="0"/>
-        </a:xfrm>
-      </p:grpSpPr>
-      <p:pic>
-        <p:nvPicPr>
-          <p:cNvPr id="5" name="Content Placeholder 4" descr="Map&#10;&#10;Description automatically generated">
-            <a:extLst>
-              <a:ext uri="{FF2B5EF4-FFF2-40B4-BE49-F238E27FC236}">
-                <a16:creationId xmlns:a16="http://schemas.microsoft.com/office/drawing/2014/main" id="{F44371DC-25F6-A24D-B07E-5C86BFB5E9F8}"/>
-              </a:ext>
-            </a:extLst>
-          </p:cNvPr>
-          <p:cNvPicPr>
-            <a:picLocks noGrp="1" noChangeAspect="1"/>
-          </p:cNvPicPr>
-          <p:nvPr>
-            <p:ph idx="1"/>
-          </p:nvPr>
-        </p:nvPicPr>
-        <p:blipFill rotWithShape="1">
-          <a:blip r:embed="rId2"/>
-          <a:srcRect l="28054" t="4616" r="23011" b="2262"/>
-          <a:stretch/>
-        </p:blipFill>
-        <p:spPr>
-          <a:xfrm>
-            <a:off x="7185052" y="1"/>
-            <a:ext cx="5006948" cy="6858000"/>
-          </a:xfrm>
-        </p:spPr>
-      </p:pic>
-      <p:sp>
-        <p:nvSpPr>
-          <p:cNvPr id="2" name="Title 1">
-            <a:extLst>
-              <a:ext uri="{FF2B5EF4-FFF2-40B4-BE49-F238E27FC236}">
-                <a16:creationId xmlns:a16="http://schemas.microsoft.com/office/drawing/2014/main" id="{AB6A33D0-BA58-A74D-B4D3-BF08E38DB976}"/>
-              </a:ext>
-            </a:extLst>
-          </p:cNvPr>
-          <p:cNvSpPr>
-            <a:spLocks noGrp="1"/>
-          </p:cNvSpPr>
-          <p:nvPr>
-            <p:ph type="title"/>
-          </p:nvPr>
-        </p:nvSpPr>
-        <p:spPr>
-          <a:xfrm>
-            <a:off x="838199" y="365125"/>
-            <a:ext cx="8449235" cy="2100169"/>
-          </a:xfrm>
-        </p:spPr>
-        <p:txBody>
-          <a:bodyPr>
-            <a:normAutofit/>
-          </a:bodyPr>
-          <a:lstStyle/>
-          <a:p>
-            <a:r>
-              <a:rPr lang="en-NL" dirty="0"/>
-              <a:t>Being open or not, how does that differ per country? </a:t>
-            </a:r>
-          </a:p>
-        </p:txBody>
-      </p:sp>
-      <p:sp>
-        <p:nvSpPr>
-          <p:cNvPr id="6" name="TextBox 5">
-            <a:extLst>
-              <a:ext uri="{FF2B5EF4-FFF2-40B4-BE49-F238E27FC236}">
-                <a16:creationId xmlns:a16="http://schemas.microsoft.com/office/drawing/2014/main" id="{77CB5488-0A3A-FF4E-B49D-0B351BEEDE7D}"/>
-              </a:ext>
-            </a:extLst>
-          </p:cNvPr>
-          <p:cNvSpPr txBox="1"/>
-          <p:nvPr/>
-        </p:nvSpPr>
-        <p:spPr>
-          <a:xfrm>
-            <a:off x="1013012" y="3155576"/>
-            <a:ext cx="6172040" cy="923330"/>
-          </a:xfrm>
-          <a:prstGeom prst="rect">
-            <a:avLst/>
-          </a:prstGeom>
-          <a:noFill/>
-        </p:spPr>
-        <p:txBody>
-          <a:bodyPr wrap="square" rtlCol="0">
-            <a:spAutoFit/>
-          </a:bodyPr>
-          <a:lstStyle/>
-          <a:p>
-            <a:r>
-              <a:rPr lang="en-NL" dirty="0"/>
-              <a:t>There are visible differences between countries. While there is some correlation with countries with higher discrimination, it is not directly correlated. </a:t>
-            </a:r>
-          </a:p>
-        </p:txBody>
-      </p:sp>
-    </p:spTree>
-    <p:extLst>
-      <p:ext uri="{BB962C8B-B14F-4D97-AF65-F5344CB8AC3E}">
-        <p14:creationId xmlns:p14="http://schemas.microsoft.com/office/powerpoint/2010/main" val="1020187878"/>
-      </p:ext>
-    </p:extLst>
-  </p:cSld>
-  <p:clrMapOvr>
-    <a:masterClrMapping/>
-  </p:clrMapOvr>
-</p:sld>
-</file>
-
-<file path=ppt/slides/slide14.xml><?xml version="1.0" encoding="utf-8"?>
-<p:sld xmlns:a="http://schemas.openxmlformats.org/drawingml/2006/main" xmlns:r="http://schemas.openxmlformats.org/officeDocument/2006/relationships" xmlns:p="http://schemas.openxmlformats.org/presentationml/2006/main">
-  <p:cSld>
-    <p:spTree>
-      <p:nvGrpSpPr>
-        <p:cNvPr id="1" name=""/>
-        <p:cNvGrpSpPr/>
-        <p:nvPr/>
-      </p:nvGrpSpPr>
-      <p:grpSpPr>
-        <a:xfrm>
-          <a:off x="0" y="0"/>
-          <a:ext cx="0" cy="0"/>
-          <a:chOff x="0" y="0"/>
-          <a:chExt cx="0" cy="0"/>
-        </a:xfrm>
-      </p:grpSpPr>
-      <p:sp>
-        <p:nvSpPr>
-          <p:cNvPr id="2" name="Title 1">
-            <a:extLst>
-              <a:ext uri="{FF2B5EF4-FFF2-40B4-BE49-F238E27FC236}">
                 <a16:creationId xmlns:a16="http://schemas.microsoft.com/office/drawing/2014/main" id="{8B437381-C58F-9146-BFF1-07E54D918AD3}"/>
               </a:ext>
             </a:extLst>
@@ -5668,6 +4856,66 @@
           </a:p>
         </p:txBody>
       </p:sp>
+      <p:sp>
+        <p:nvSpPr>
+          <p:cNvPr id="7" name="Doughnut 6">
+            <a:extLst>
+              <a:ext uri="{FF2B5EF4-FFF2-40B4-BE49-F238E27FC236}">
+                <a16:creationId xmlns:a16="http://schemas.microsoft.com/office/drawing/2014/main" id="{8180004B-1E76-0146-B77A-6150DF76256D}"/>
+              </a:ext>
+            </a:extLst>
+          </p:cNvPr>
+          <p:cNvSpPr/>
+          <p:nvPr/>
+        </p:nvSpPr>
+        <p:spPr>
+          <a:xfrm>
+            <a:off x="348343" y="3317966"/>
+            <a:ext cx="4423954" cy="592183"/>
+          </a:xfrm>
+          <a:prstGeom prst="donut">
+            <a:avLst>
+              <a:gd name="adj" fmla="val 6640"/>
+            </a:avLst>
+          </a:prstGeom>
+          <a:solidFill>
+            <a:srgbClr val="FF0000"/>
+          </a:solidFill>
+          <a:ln>
+            <a:solidFill>
+              <a:srgbClr val="FF0000"/>
+            </a:solidFill>
+          </a:ln>
+        </p:spPr>
+        <p:style>
+          <a:lnRef idx="2">
+            <a:schemeClr val="accent1">
+              <a:shade val="50000"/>
+            </a:schemeClr>
+          </a:lnRef>
+          <a:fillRef idx="1">
+            <a:schemeClr val="accent1"/>
+          </a:fillRef>
+          <a:effectRef idx="0">
+            <a:schemeClr val="accent1"/>
+          </a:effectRef>
+          <a:fontRef idx="minor">
+            <a:schemeClr val="lt1"/>
+          </a:fontRef>
+        </p:style>
+        <p:txBody>
+          <a:bodyPr rtlCol="0" anchor="ctr"/>
+          <a:lstStyle/>
+          <a:p>
+            <a:pPr algn="ctr"/>
+            <a:endParaRPr lang="en-NL">
+              <a:solidFill>
+                <a:schemeClr val="tx1"/>
+              </a:solidFill>
+            </a:endParaRPr>
+          </a:p>
+        </p:txBody>
+      </p:sp>
     </p:spTree>
     <p:extLst>
       <p:ext uri="{BB962C8B-B14F-4D97-AF65-F5344CB8AC3E}">
@@ -5681,7 +4929,7 @@
 </p:sld>
 </file>
 
-<file path=ppt/slides/slide15.xml><?xml version="1.0" encoding="utf-8"?>
+<file path=ppt/slides/slide12.xml><?xml version="1.0" encoding="utf-8"?>
 <p:sld xmlns:a="http://schemas.openxmlformats.org/drawingml/2006/main" xmlns:r="http://schemas.openxmlformats.org/officeDocument/2006/relationships" xmlns:p="http://schemas.openxmlformats.org/presentationml/2006/main">
   <p:cSld>
     <p:spTree>
@@ -5869,7 +5117,7 @@
             </a:pPr>
             <a:r>
               <a:rPr lang="en-NL" dirty="0"/>
-              <a:t>ILGA Europe compiles a map each year of the status of LGBT rights in each country in Europe. </a:t>
+              <a:t>LGBT rights are very important, but don’t show people’s experiences and perceptions. </a:t>
             </a:r>
           </a:p>
         </p:txBody>
@@ -5940,7 +5188,7 @@
           <p:cNvPr id="2" name="Title 1">
             <a:extLst>
               <a:ext uri="{FF2B5EF4-FFF2-40B4-BE49-F238E27FC236}">
-                <a16:creationId xmlns:a16="http://schemas.microsoft.com/office/drawing/2014/main" id="{8DFF7AAE-10E8-5D40-9118-28FDF0F0DC37}"/>
+                <a16:creationId xmlns:a16="http://schemas.microsoft.com/office/drawing/2014/main" id="{53E9167A-672B-4E4F-8FE5-B838B6986BA8}"/>
               </a:ext>
             </a:extLst>
           </p:cNvPr>
@@ -5953,24 +5201,17 @@
         </p:nvSpPr>
         <p:spPr>
           <a:xfrm>
-            <a:off x="838200" y="841675"/>
+            <a:off x="838200" y="402195"/>
             <a:ext cx="10515600" cy="1325563"/>
           </a:xfrm>
         </p:spPr>
         <p:txBody>
-          <a:bodyPr>
-            <a:normAutofit fontScale="90000"/>
-          </a:bodyPr>
-          <a:lstStyle/>
-          <a:p>
-            <a:pPr>
-              <a:lnSpc>
-                <a:spcPct val="100000"/>
-              </a:lnSpc>
-            </a:pPr>
+          <a:bodyPr/>
+          <a:lstStyle/>
+          <a:p>
             <a:r>
               <a:rPr lang="en-NL" dirty="0"/>
-              <a:t>LGBT rights are very important, but don’t tell the whole story. </a:t>
+              <a:t>The survey:</a:t>
             </a:r>
           </a:p>
         </p:txBody>
@@ -5980,7 +5221,7 @@
           <p:cNvPr id="3" name="Content Placeholder 2">
             <a:extLst>
               <a:ext uri="{FF2B5EF4-FFF2-40B4-BE49-F238E27FC236}">
-                <a16:creationId xmlns:a16="http://schemas.microsoft.com/office/drawing/2014/main" id="{0A9CA47D-B718-4947-872A-CC1050B415C7}"/>
+                <a16:creationId xmlns:a16="http://schemas.microsoft.com/office/drawing/2014/main" id="{7FED5736-F9C2-F946-9FFE-EAC9B6D67F97}"/>
               </a:ext>
             </a:extLst>
           </p:cNvPr>
@@ -5993,52 +5234,82 @@
         </p:nvSpPr>
         <p:spPr>
           <a:xfrm>
-            <a:off x="838200" y="2615603"/>
-            <a:ext cx="10515600" cy="3721998"/>
+            <a:off x="838200" y="1727758"/>
+            <a:ext cx="10515600" cy="4351338"/>
           </a:xfrm>
         </p:spPr>
         <p:txBody>
-          <a:bodyPr/>
-          <a:lstStyle/>
-          <a:p>
-            <a:pPr marL="0" indent="0">
+          <a:bodyPr>
+            <a:normAutofit lnSpcReduction="10000"/>
+          </a:bodyPr>
+          <a:lstStyle/>
+          <a:p>
+            <a:pPr>
               <a:lnSpc>
                 <a:spcPct val="150000"/>
               </a:lnSpc>
-              <a:buNone/>
             </a:pPr>
             <a:r>
               <a:rPr lang="en-NL" dirty="0"/>
-              <a:t>Current data doesn’t show people’s experience and perception. </a:t>
-            </a:r>
-          </a:p>
-          <a:p>
-            <a:pPr marL="0" indent="0">
+              <a:t>Conducted online</a:t>
+            </a:r>
+          </a:p>
+          <a:p>
+            <a:pPr>
               <a:lnSpc>
                 <a:spcPct val="150000"/>
               </a:lnSpc>
-              <a:buNone/>
             </a:pPr>
-            <a:endParaRPr lang="en-NL" sz="1000" dirty="0"/>
-          </a:p>
-          <a:p>
-            <a:pPr marL="0" indent="0">
+            <a:r>
+              <a:rPr lang="en-NL" dirty="0"/>
+              <a:t>Self selected sample</a:t>
+            </a:r>
+          </a:p>
+          <a:p>
+            <a:pPr>
               <a:lnSpc>
-                <a:spcPct val="100000"/>
+                <a:spcPct val="150000"/>
               </a:lnSpc>
-              <a:buNone/>
             </a:pPr>
             <a:r>
               <a:rPr lang="en-NL" dirty="0"/>
-              <a:t>The EU LGBT survey was set-up to answer those questions, and provide policy makers with the needed data to develop their work. </a:t>
-            </a:r>
+              <a:t>Promoted via LGBT specific media, LGBT associations, online groups, social media and dating apps. </a:t>
+            </a:r>
+          </a:p>
+          <a:p>
+            <a:pPr>
+              <a:lnSpc>
+                <a:spcPct val="150000"/>
+              </a:lnSpc>
+            </a:pPr>
+            <a:r>
+              <a:rPr lang="en-NL" dirty="0"/>
+              <a:t>93,079 respondents</a:t>
+            </a:r>
+          </a:p>
+          <a:p>
+            <a:pPr>
+              <a:lnSpc>
+                <a:spcPct val="150000"/>
+              </a:lnSpc>
+            </a:pPr>
+            <a:r>
+              <a:rPr lang="en-NL" dirty="0"/>
+              <a:t>From 28 EU countries</a:t>
+            </a:r>
+          </a:p>
+          <a:p>
+            <a:endParaRPr lang="en-NL" dirty="0"/>
+          </a:p>
+          <a:p>
+            <a:endParaRPr lang="en-NL" dirty="0"/>
           </a:p>
         </p:txBody>
       </p:sp>
     </p:spTree>
     <p:extLst>
       <p:ext uri="{BB962C8B-B14F-4D97-AF65-F5344CB8AC3E}">
-        <p14:creationId xmlns:p14="http://schemas.microsoft.com/office/powerpoint/2010/main" val="2253608789"/>
+        <p14:creationId xmlns:p14="http://schemas.microsoft.com/office/powerpoint/2010/main" val="3758581461"/>
       </p:ext>
     </p:extLst>
   </p:cSld>
@@ -6070,335 +5341,6 @@
           <p:cNvPr id="2" name="Title 1">
             <a:extLst>
               <a:ext uri="{FF2B5EF4-FFF2-40B4-BE49-F238E27FC236}">
-                <a16:creationId xmlns:a16="http://schemas.microsoft.com/office/drawing/2014/main" id="{53E9167A-672B-4E4F-8FE5-B838B6986BA8}"/>
-              </a:ext>
-            </a:extLst>
-          </p:cNvPr>
-          <p:cNvSpPr>
-            <a:spLocks noGrp="1"/>
-          </p:cNvSpPr>
-          <p:nvPr>
-            <p:ph type="title"/>
-          </p:nvPr>
-        </p:nvSpPr>
-        <p:spPr>
-          <a:xfrm>
-            <a:off x="838200" y="402195"/>
-            <a:ext cx="10515600" cy="1325563"/>
-          </a:xfrm>
-        </p:spPr>
-        <p:txBody>
-          <a:bodyPr/>
-          <a:lstStyle/>
-          <a:p>
-            <a:r>
-              <a:rPr lang="en-NL" dirty="0"/>
-              <a:t>The survey:</a:t>
-            </a:r>
-          </a:p>
-        </p:txBody>
-      </p:sp>
-      <p:sp>
-        <p:nvSpPr>
-          <p:cNvPr id="3" name="Content Placeholder 2">
-            <a:extLst>
-              <a:ext uri="{FF2B5EF4-FFF2-40B4-BE49-F238E27FC236}">
-                <a16:creationId xmlns:a16="http://schemas.microsoft.com/office/drawing/2014/main" id="{7FED5736-F9C2-F946-9FFE-EAC9B6D67F97}"/>
-              </a:ext>
-            </a:extLst>
-          </p:cNvPr>
-          <p:cNvSpPr>
-            <a:spLocks noGrp="1"/>
-          </p:cNvSpPr>
-          <p:nvPr>
-            <p:ph idx="1"/>
-          </p:nvPr>
-        </p:nvSpPr>
-        <p:spPr>
-          <a:xfrm>
-            <a:off x="838200" y="1727758"/>
-            <a:ext cx="10515600" cy="4351338"/>
-          </a:xfrm>
-        </p:spPr>
-        <p:txBody>
-          <a:bodyPr>
-            <a:normAutofit lnSpcReduction="10000"/>
-          </a:bodyPr>
-          <a:lstStyle/>
-          <a:p>
-            <a:pPr>
-              <a:lnSpc>
-                <a:spcPct val="150000"/>
-              </a:lnSpc>
-            </a:pPr>
-            <a:r>
-              <a:rPr lang="en-NL" dirty="0"/>
-              <a:t>Conducted online</a:t>
-            </a:r>
-          </a:p>
-          <a:p>
-            <a:pPr>
-              <a:lnSpc>
-                <a:spcPct val="150000"/>
-              </a:lnSpc>
-            </a:pPr>
-            <a:r>
-              <a:rPr lang="en-NL" dirty="0"/>
-              <a:t>Self selected sample</a:t>
-            </a:r>
-          </a:p>
-          <a:p>
-            <a:pPr>
-              <a:lnSpc>
-                <a:spcPct val="150000"/>
-              </a:lnSpc>
-            </a:pPr>
-            <a:r>
-              <a:rPr lang="en-NL" dirty="0"/>
-              <a:t>Promoted via LGBT specific media, LGBT associations, online groups, dating apps, social media. </a:t>
-            </a:r>
-          </a:p>
-          <a:p>
-            <a:pPr>
-              <a:lnSpc>
-                <a:spcPct val="150000"/>
-              </a:lnSpc>
-            </a:pPr>
-            <a:r>
-              <a:rPr lang="en-NL" dirty="0"/>
-              <a:t>93,079 respondents</a:t>
-            </a:r>
-          </a:p>
-          <a:p>
-            <a:pPr>
-              <a:lnSpc>
-                <a:spcPct val="150000"/>
-              </a:lnSpc>
-            </a:pPr>
-            <a:r>
-              <a:rPr lang="en-NL" dirty="0"/>
-              <a:t>From 28 EU countries</a:t>
-            </a:r>
-          </a:p>
-          <a:p>
-            <a:endParaRPr lang="en-NL" dirty="0"/>
-          </a:p>
-          <a:p>
-            <a:endParaRPr lang="en-NL" dirty="0"/>
-          </a:p>
-        </p:txBody>
-      </p:sp>
-    </p:spTree>
-    <p:extLst>
-      <p:ext uri="{BB962C8B-B14F-4D97-AF65-F5344CB8AC3E}">
-        <p14:creationId xmlns:p14="http://schemas.microsoft.com/office/powerpoint/2010/main" val="3758581461"/>
-      </p:ext>
-    </p:extLst>
-  </p:cSld>
-  <p:clrMapOvr>
-    <a:masterClrMapping/>
-  </p:clrMapOvr>
-</p:sld>
-</file>
-
-<file path=ppt/slides/slide5.xml><?xml version="1.0" encoding="utf-8"?>
-<p:sld xmlns:a="http://schemas.openxmlformats.org/drawingml/2006/main" xmlns:r="http://schemas.openxmlformats.org/officeDocument/2006/relationships" xmlns:p="http://schemas.openxmlformats.org/presentationml/2006/main">
-  <p:cSld>
-    <p:spTree>
-      <p:nvGrpSpPr>
-        <p:cNvPr id="1" name=""/>
-        <p:cNvGrpSpPr/>
-        <p:nvPr/>
-      </p:nvGrpSpPr>
-      <p:grpSpPr>
-        <a:xfrm>
-          <a:off x="0" y="0"/>
-          <a:ext cx="0" cy="0"/>
-          <a:chOff x="0" y="0"/>
-          <a:chExt cx="0" cy="0"/>
-        </a:xfrm>
-      </p:grpSpPr>
-      <p:pic>
-        <p:nvPicPr>
-          <p:cNvPr id="5" name="Content Placeholder 4" descr="Map&#10;&#10;Description automatically generated">
-            <a:extLst>
-              <a:ext uri="{FF2B5EF4-FFF2-40B4-BE49-F238E27FC236}">
-                <a16:creationId xmlns:a16="http://schemas.microsoft.com/office/drawing/2014/main" id="{A5061606-E189-714D-9A7A-F0D936B1A03B}"/>
-              </a:ext>
-            </a:extLst>
-          </p:cNvPr>
-          <p:cNvPicPr>
-            <a:picLocks noGrp="1" noChangeAspect="1"/>
-          </p:cNvPicPr>
-          <p:nvPr>
-            <p:ph idx="1"/>
-          </p:nvPr>
-        </p:nvPicPr>
-        <p:blipFill rotWithShape="1">
-          <a:blip r:embed="rId3"/>
-          <a:srcRect l="20300" t="8309" r="25097" b="3375"/>
-          <a:stretch/>
-        </p:blipFill>
-        <p:spPr>
-          <a:xfrm>
-            <a:off x="6485238" y="0"/>
-            <a:ext cx="5704703" cy="6876601"/>
-          </a:xfrm>
-        </p:spPr>
-      </p:pic>
-      <p:sp>
-        <p:nvSpPr>
-          <p:cNvPr id="2" name="Title 1">
-            <a:extLst>
-              <a:ext uri="{FF2B5EF4-FFF2-40B4-BE49-F238E27FC236}">
-                <a16:creationId xmlns:a16="http://schemas.microsoft.com/office/drawing/2014/main" id="{6B9D7443-0651-C141-96A8-E9DC6A4E042E}"/>
-              </a:ext>
-            </a:extLst>
-          </p:cNvPr>
-          <p:cNvSpPr>
-            <a:spLocks noGrp="1"/>
-          </p:cNvSpPr>
-          <p:nvPr>
-            <p:ph type="title"/>
-          </p:nvPr>
-        </p:nvSpPr>
-        <p:spPr>
-          <a:xfrm>
-            <a:off x="838200" y="651517"/>
-            <a:ext cx="7175740" cy="1325563"/>
-          </a:xfrm>
-        </p:spPr>
-        <p:txBody>
-          <a:bodyPr>
-            <a:normAutofit/>
-          </a:bodyPr>
-          <a:lstStyle/>
-          <a:p>
-            <a:r>
-              <a:rPr lang="en-NL" dirty="0"/>
-              <a:t>The respondents (per country and subset)</a:t>
-            </a:r>
-          </a:p>
-        </p:txBody>
-      </p:sp>
-      <p:sp>
-        <p:nvSpPr>
-          <p:cNvPr id="8" name="Oval 7">
-            <a:extLst>
-              <a:ext uri="{FF2B5EF4-FFF2-40B4-BE49-F238E27FC236}">
-                <a16:creationId xmlns:a16="http://schemas.microsoft.com/office/drawing/2014/main" id="{82BD5E74-D477-0148-A2BB-DADA9DA127FB}"/>
-              </a:ext>
-            </a:extLst>
-          </p:cNvPr>
-          <p:cNvSpPr/>
-          <p:nvPr/>
-        </p:nvSpPr>
-        <p:spPr>
-          <a:xfrm>
-            <a:off x="6096000" y="1193476"/>
-            <a:ext cx="836141" cy="852615"/>
-          </a:xfrm>
-          <a:prstGeom prst="ellipse">
-            <a:avLst/>
-          </a:prstGeom>
-          <a:solidFill>
-            <a:schemeClr val="bg1"/>
-          </a:solidFill>
-          <a:ln>
-            <a:solidFill>
-              <a:schemeClr val="bg1"/>
-            </a:solidFill>
-          </a:ln>
-        </p:spPr>
-        <p:style>
-          <a:lnRef idx="2">
-            <a:schemeClr val="accent1">
-              <a:shade val="50000"/>
-            </a:schemeClr>
-          </a:lnRef>
-          <a:fillRef idx="1">
-            <a:schemeClr val="accent1"/>
-          </a:fillRef>
-          <a:effectRef idx="0">
-            <a:schemeClr val="accent1"/>
-          </a:effectRef>
-          <a:fontRef idx="minor">
-            <a:schemeClr val="lt1"/>
-          </a:fontRef>
-        </p:style>
-        <p:txBody>
-          <a:bodyPr rtlCol="0" anchor="ctr"/>
-          <a:lstStyle/>
-          <a:p>
-            <a:pPr algn="ctr"/>
-            <a:endParaRPr lang="en-NL"/>
-          </a:p>
-        </p:txBody>
-      </p:sp>
-      <p:pic>
-        <p:nvPicPr>
-          <p:cNvPr id="9" name="Content Placeholder 4">
-            <a:extLst>
-              <a:ext uri="{FF2B5EF4-FFF2-40B4-BE49-F238E27FC236}">
-                <a16:creationId xmlns:a16="http://schemas.microsoft.com/office/drawing/2014/main" id="{34D4F8FF-AAB7-3F4A-9F67-CCD82014DF1F}"/>
-              </a:ext>
-            </a:extLst>
-          </p:cNvPr>
-          <p:cNvPicPr>
-            <a:picLocks noChangeAspect="1"/>
-          </p:cNvPicPr>
-          <p:nvPr/>
-        </p:nvPicPr>
-        <p:blipFill rotWithShape="1">
-          <a:blip r:embed="rId4"/>
-          <a:srcRect l="25296" t="19010" r="24322" b="17879"/>
-          <a:stretch/>
-        </p:blipFill>
-        <p:spPr>
-          <a:xfrm>
-            <a:off x="838200" y="2527540"/>
-            <a:ext cx="4761195" cy="4208957"/>
-          </a:xfrm>
-          <a:prstGeom prst="rect">
-            <a:avLst/>
-          </a:prstGeom>
-        </p:spPr>
-      </p:pic>
-    </p:spTree>
-    <p:extLst>
-      <p:ext uri="{BB962C8B-B14F-4D97-AF65-F5344CB8AC3E}">
-        <p14:creationId xmlns:p14="http://schemas.microsoft.com/office/powerpoint/2010/main" val="2192922660"/>
-      </p:ext>
-    </p:extLst>
-  </p:cSld>
-  <p:clrMapOvr>
-    <a:masterClrMapping/>
-  </p:clrMapOvr>
-</p:sld>
-</file>
-
-<file path=ppt/slides/slide6.xml><?xml version="1.0" encoding="utf-8"?>
-<p:sld xmlns:a="http://schemas.openxmlformats.org/drawingml/2006/main" xmlns:r="http://schemas.openxmlformats.org/officeDocument/2006/relationships" xmlns:p="http://schemas.openxmlformats.org/presentationml/2006/main">
-  <p:cSld>
-    <p:spTree>
-      <p:nvGrpSpPr>
-        <p:cNvPr id="1" name=""/>
-        <p:cNvGrpSpPr/>
-        <p:nvPr/>
-      </p:nvGrpSpPr>
-      <p:grpSpPr>
-        <a:xfrm>
-          <a:off x="0" y="0"/>
-          <a:ext cx="0" cy="0"/>
-          <a:chOff x="0" y="0"/>
-          <a:chExt cx="0" cy="0"/>
-        </a:xfrm>
-      </p:grpSpPr>
-      <p:sp>
-        <p:nvSpPr>
-          <p:cNvPr id="2" name="Title 1">
-            <a:extLst>
-              <a:ext uri="{FF2B5EF4-FFF2-40B4-BE49-F238E27FC236}">
                 <a16:creationId xmlns:a16="http://schemas.microsoft.com/office/drawing/2014/main" id="{31BA78FB-8D61-E445-B8A9-31C712D4D192}"/>
               </a:ext>
             </a:extLst>
@@ -6462,7 +5404,7 @@
             </a:pPr>
             <a:r>
               <a:rPr lang="en-NL" dirty="0"/>
-              <a:t>So what do people hear in everyday? </a:t>
+              <a:t>So what do people hear in everyday life? </a:t>
             </a:r>
           </a:p>
         </p:txBody>
@@ -6510,6 +5452,469 @@
 </p:sld>
 </file>
 
+<file path=ppt/slides/slide5.xml><?xml version="1.0" encoding="utf-8"?>
+<p:sld xmlns:a="http://schemas.openxmlformats.org/drawingml/2006/main" xmlns:r="http://schemas.openxmlformats.org/officeDocument/2006/relationships" xmlns:p="http://schemas.openxmlformats.org/presentationml/2006/main">
+  <p:cSld>
+    <p:spTree>
+      <p:nvGrpSpPr>
+        <p:cNvPr id="1" name=""/>
+        <p:cNvGrpSpPr/>
+        <p:nvPr/>
+      </p:nvGrpSpPr>
+      <p:grpSpPr>
+        <a:xfrm>
+          <a:off x="0" y="0"/>
+          <a:ext cx="0" cy="0"/>
+          <a:chOff x="0" y="0"/>
+          <a:chExt cx="0" cy="0"/>
+        </a:xfrm>
+      </p:grpSpPr>
+      <p:sp>
+        <p:nvSpPr>
+          <p:cNvPr id="2" name="Title 1">
+            <a:extLst>
+              <a:ext uri="{FF2B5EF4-FFF2-40B4-BE49-F238E27FC236}">
+                <a16:creationId xmlns:a16="http://schemas.microsoft.com/office/drawing/2014/main" id="{3E39E7CF-437B-5047-A6DD-850C0B78746C}"/>
+              </a:ext>
+            </a:extLst>
+          </p:cNvPr>
+          <p:cNvSpPr>
+            <a:spLocks noGrp="1"/>
+          </p:cNvSpPr>
+          <p:nvPr>
+            <p:ph type="title"/>
+          </p:nvPr>
+        </p:nvSpPr>
+        <p:spPr/>
+        <p:txBody>
+          <a:bodyPr/>
+          <a:lstStyle/>
+          <a:p>
+            <a:r>
+              <a:rPr lang="en-NL" dirty="0"/>
+              <a:t>How about expressions of hatred, assault and harassment in public? </a:t>
+            </a:r>
+          </a:p>
+        </p:txBody>
+      </p:sp>
+      <p:pic>
+        <p:nvPicPr>
+          <p:cNvPr id="5" name="Content Placeholder 4" descr="Chart&#10;&#10;Description automatically generated with low confidence">
+            <a:extLst>
+              <a:ext uri="{FF2B5EF4-FFF2-40B4-BE49-F238E27FC236}">
+                <a16:creationId xmlns:a16="http://schemas.microsoft.com/office/drawing/2014/main" id="{E48EE570-274E-E84A-95BF-61D471C3A234}"/>
+              </a:ext>
+            </a:extLst>
+          </p:cNvPr>
+          <p:cNvPicPr>
+            <a:picLocks noGrp="1" noChangeAspect="1"/>
+          </p:cNvPicPr>
+          <p:nvPr>
+            <p:ph idx="1"/>
+          </p:nvPr>
+        </p:nvPicPr>
+        <p:blipFill>
+          <a:blip r:embed="rId3"/>
+          <a:stretch>
+            <a:fillRect/>
+          </a:stretch>
+        </p:blipFill>
+        <p:spPr>
+          <a:xfrm>
+            <a:off x="838200" y="2146521"/>
+            <a:ext cx="10515600" cy="1707750"/>
+          </a:xfrm>
+        </p:spPr>
+      </p:pic>
+      <p:sp>
+        <p:nvSpPr>
+          <p:cNvPr id="9" name="TextBox 8">
+            <a:extLst>
+              <a:ext uri="{FF2B5EF4-FFF2-40B4-BE49-F238E27FC236}">
+                <a16:creationId xmlns:a16="http://schemas.microsoft.com/office/drawing/2014/main" id="{30A49E6F-77D5-1949-ABAB-A55A5ADE8D3C}"/>
+              </a:ext>
+            </a:extLst>
+          </p:cNvPr>
+          <p:cNvSpPr txBox="1"/>
+          <p:nvPr/>
+        </p:nvSpPr>
+        <p:spPr>
+          <a:xfrm>
+            <a:off x="838200" y="4310104"/>
+            <a:ext cx="10903434" cy="369332"/>
+          </a:xfrm>
+          <a:prstGeom prst="rect">
+            <a:avLst/>
+          </a:prstGeom>
+          <a:noFill/>
+        </p:spPr>
+        <p:txBody>
+          <a:bodyPr wrap="none" rtlCol="0">
+            <a:spAutoFit/>
+          </a:bodyPr>
+          <a:lstStyle/>
+          <a:p>
+            <a:r>
+              <a:rPr lang="en-NL" dirty="0"/>
+              <a:t>For 42% of the respondents, expressions of hatred, assault and harassment are fairly to very widespread in public. </a:t>
+            </a:r>
+          </a:p>
+        </p:txBody>
+      </p:sp>
+    </p:spTree>
+    <p:extLst>
+      <p:ext uri="{BB962C8B-B14F-4D97-AF65-F5344CB8AC3E}">
+        <p14:creationId xmlns:p14="http://schemas.microsoft.com/office/powerpoint/2010/main" val="559530363"/>
+      </p:ext>
+    </p:extLst>
+  </p:cSld>
+  <p:clrMapOvr>
+    <a:masterClrMapping/>
+  </p:clrMapOvr>
+</p:sld>
+</file>
+
+<file path=ppt/slides/slide6.xml><?xml version="1.0" encoding="utf-8"?>
+<p:sld xmlns:a="http://schemas.openxmlformats.org/drawingml/2006/main" xmlns:r="http://schemas.openxmlformats.org/officeDocument/2006/relationships" xmlns:p="http://schemas.openxmlformats.org/presentationml/2006/main">
+  <p:cSld>
+    <p:spTree>
+      <p:nvGrpSpPr>
+        <p:cNvPr id="1" name=""/>
+        <p:cNvGrpSpPr/>
+        <p:nvPr/>
+      </p:nvGrpSpPr>
+      <p:grpSpPr>
+        <a:xfrm>
+          <a:off x="0" y="0"/>
+          <a:ext cx="0" cy="0"/>
+          <a:chOff x="0" y="0"/>
+          <a:chExt cx="0" cy="0"/>
+        </a:xfrm>
+      </p:grpSpPr>
+      <p:sp>
+        <p:nvSpPr>
+          <p:cNvPr id="2" name="Title 1">
+            <a:extLst>
+              <a:ext uri="{FF2B5EF4-FFF2-40B4-BE49-F238E27FC236}">
+                <a16:creationId xmlns:a16="http://schemas.microsoft.com/office/drawing/2014/main" id="{473EF727-BDB2-0A49-80AE-2D0B1F2F15CB}"/>
+              </a:ext>
+            </a:extLst>
+          </p:cNvPr>
+          <p:cNvSpPr>
+            <a:spLocks noGrp="1"/>
+          </p:cNvSpPr>
+          <p:nvPr>
+            <p:ph type="title"/>
+          </p:nvPr>
+        </p:nvSpPr>
+        <p:spPr/>
+        <p:txBody>
+          <a:bodyPr/>
+          <a:lstStyle/>
+          <a:p>
+            <a:r>
+              <a:rPr lang="en-NL" dirty="0"/>
+              <a:t>Is discrimination common?</a:t>
+            </a:r>
+          </a:p>
+        </p:txBody>
+      </p:sp>
+      <p:pic>
+        <p:nvPicPr>
+          <p:cNvPr id="5" name="Content Placeholder 4" descr="A picture containing chart&#10;&#10;Description automatically generated">
+            <a:extLst>
+              <a:ext uri="{FF2B5EF4-FFF2-40B4-BE49-F238E27FC236}">
+                <a16:creationId xmlns:a16="http://schemas.microsoft.com/office/drawing/2014/main" id="{015E50D0-AC9F-6147-92A4-CD20EB2E1541}"/>
+              </a:ext>
+            </a:extLst>
+          </p:cNvPr>
+          <p:cNvPicPr>
+            <a:picLocks noGrp="1" noChangeAspect="1"/>
+          </p:cNvPicPr>
+          <p:nvPr>
+            <p:ph idx="1"/>
+          </p:nvPr>
+        </p:nvPicPr>
+        <p:blipFill>
+          <a:blip r:embed="rId3"/>
+          <a:stretch>
+            <a:fillRect/>
+          </a:stretch>
+        </p:blipFill>
+        <p:spPr>
+          <a:xfrm>
+            <a:off x="838200" y="1690688"/>
+            <a:ext cx="10515600" cy="1397250"/>
+          </a:xfrm>
+        </p:spPr>
+      </p:pic>
+      <p:sp>
+        <p:nvSpPr>
+          <p:cNvPr id="6" name="TextBox 5">
+            <a:extLst>
+              <a:ext uri="{FF2B5EF4-FFF2-40B4-BE49-F238E27FC236}">
+                <a16:creationId xmlns:a16="http://schemas.microsoft.com/office/drawing/2014/main" id="{1E0044B9-B924-924D-B61F-E93FD6ECC992}"/>
+              </a:ext>
+            </a:extLst>
+          </p:cNvPr>
+          <p:cNvSpPr txBox="1"/>
+          <p:nvPr/>
+        </p:nvSpPr>
+        <p:spPr>
+          <a:xfrm>
+            <a:off x="838200" y="3204754"/>
+            <a:ext cx="10256520" cy="646331"/>
+          </a:xfrm>
+          <a:prstGeom prst="rect">
+            <a:avLst/>
+          </a:prstGeom>
+          <a:noFill/>
+        </p:spPr>
+        <p:txBody>
+          <a:bodyPr wrap="square" rtlCol="0">
+            <a:spAutoFit/>
+          </a:bodyPr>
+          <a:lstStyle/>
+          <a:p>
+            <a:r>
+              <a:rPr lang="en-NL" dirty="0"/>
+              <a:t>Nearly half of the respondents have felt discriminated against on </a:t>
+            </a:r>
+            <a:r>
+              <a:rPr lang="en-GB" dirty="0" err="1"/>
+              <a:t>th</a:t>
+            </a:r>
+            <a:r>
+              <a:rPr lang="en-NL" dirty="0"/>
+              <a:t>e grounds of their sexual orientation. Most of it happened at work or school/university. </a:t>
+            </a:r>
+          </a:p>
+        </p:txBody>
+      </p:sp>
+      <p:pic>
+        <p:nvPicPr>
+          <p:cNvPr id="7" name="Content Placeholder 12" descr="Chart, diagram, bar chart&#10;&#10;Description automatically generated">
+            <a:extLst>
+              <a:ext uri="{FF2B5EF4-FFF2-40B4-BE49-F238E27FC236}">
+                <a16:creationId xmlns:a16="http://schemas.microsoft.com/office/drawing/2014/main" id="{D7491AF5-3422-6E4C-BCD6-D1A30A72DE0A}"/>
+              </a:ext>
+            </a:extLst>
+          </p:cNvPr>
+          <p:cNvPicPr>
+            <a:picLocks noChangeAspect="1"/>
+          </p:cNvPicPr>
+          <p:nvPr/>
+        </p:nvPicPr>
+        <p:blipFill>
+          <a:blip r:embed="rId4"/>
+          <a:stretch>
+            <a:fillRect/>
+          </a:stretch>
+        </p:blipFill>
+        <p:spPr>
+          <a:xfrm>
+            <a:off x="5103223" y="4566345"/>
+            <a:ext cx="6052457" cy="1660408"/>
+          </a:xfrm>
+          <a:prstGeom prst="rect">
+            <a:avLst/>
+          </a:prstGeom>
+        </p:spPr>
+      </p:pic>
+      <p:sp>
+        <p:nvSpPr>
+          <p:cNvPr id="9" name="TextBox 8">
+            <a:extLst>
+              <a:ext uri="{FF2B5EF4-FFF2-40B4-BE49-F238E27FC236}">
+                <a16:creationId xmlns:a16="http://schemas.microsoft.com/office/drawing/2014/main" id="{CF7E8ACF-130C-0A4C-AD88-6F40D805A0F4}"/>
+              </a:ext>
+            </a:extLst>
+          </p:cNvPr>
+          <p:cNvSpPr txBox="1"/>
+          <p:nvPr/>
+        </p:nvSpPr>
+        <p:spPr>
+          <a:xfrm>
+            <a:off x="2599155" y="7544073"/>
+            <a:ext cx="7514639" cy="646331"/>
+          </a:xfrm>
+          <a:prstGeom prst="rect">
+            <a:avLst/>
+          </a:prstGeom>
+          <a:noFill/>
+        </p:spPr>
+        <p:txBody>
+          <a:bodyPr wrap="square" rtlCol="0">
+            <a:spAutoFit/>
+          </a:bodyPr>
+          <a:lstStyle/>
+          <a:p>
+            <a:r>
+              <a:rPr lang="en-NL" dirty="0"/>
+              <a:t>We can see that work and school are two situations where discrimination is at its highest. </a:t>
+            </a:r>
+          </a:p>
+        </p:txBody>
+      </p:sp>
+      <p:pic>
+        <p:nvPicPr>
+          <p:cNvPr id="10" name="Content Placeholder 12" descr="Chart, diagram, bar chart&#10;&#10;Description automatically generated">
+            <a:extLst>
+              <a:ext uri="{FF2B5EF4-FFF2-40B4-BE49-F238E27FC236}">
+                <a16:creationId xmlns:a16="http://schemas.microsoft.com/office/drawing/2014/main" id="{F89C6A17-C2BD-0F45-9719-A6A121693EBB}"/>
+              </a:ext>
+            </a:extLst>
+          </p:cNvPr>
+          <p:cNvPicPr>
+            <a:picLocks noChangeAspect="1"/>
+          </p:cNvPicPr>
+          <p:nvPr/>
+        </p:nvPicPr>
+        <p:blipFill rotWithShape="1">
+          <a:blip r:embed="rId4"/>
+          <a:srcRect l="-1" t="24351" r="64618" b="47999"/>
+          <a:stretch/>
+        </p:blipFill>
+        <p:spPr>
+          <a:xfrm>
+            <a:off x="2136712" y="3967901"/>
+            <a:ext cx="4239414" cy="908899"/>
+          </a:xfrm>
+          <a:prstGeom prst="rect">
+            <a:avLst/>
+          </a:prstGeom>
+        </p:spPr>
+      </p:pic>
+      <p:sp>
+        <p:nvSpPr>
+          <p:cNvPr id="11" name="Left Arrow 10">
+            <a:extLst>
+              <a:ext uri="{FF2B5EF4-FFF2-40B4-BE49-F238E27FC236}">
+                <a16:creationId xmlns:a16="http://schemas.microsoft.com/office/drawing/2014/main" id="{8153AC5E-3C38-7141-B474-B0B6015B0991}"/>
+              </a:ext>
+            </a:extLst>
+          </p:cNvPr>
+          <p:cNvSpPr/>
+          <p:nvPr/>
+        </p:nvSpPr>
+        <p:spPr>
+          <a:xfrm rot="1951209" flipV="1">
+            <a:off x="4676797" y="4676744"/>
+            <a:ext cx="1253715" cy="232309"/>
+          </a:xfrm>
+          <a:prstGeom prst="leftArrow">
+            <a:avLst>
+              <a:gd name="adj1" fmla="val 35679"/>
+              <a:gd name="adj2" fmla="val 50000"/>
+            </a:avLst>
+          </a:prstGeom>
+          <a:solidFill>
+            <a:srgbClr val="FF0000"/>
+          </a:solidFill>
+          <a:ln>
+            <a:solidFill>
+              <a:srgbClr val="FF0000"/>
+            </a:solidFill>
+          </a:ln>
+        </p:spPr>
+        <p:style>
+          <a:lnRef idx="2">
+            <a:schemeClr val="accent1">
+              <a:shade val="50000"/>
+            </a:schemeClr>
+          </a:lnRef>
+          <a:fillRef idx="1">
+            <a:schemeClr val="accent1"/>
+          </a:fillRef>
+          <a:effectRef idx="0">
+            <a:schemeClr val="accent1"/>
+          </a:effectRef>
+          <a:fontRef idx="minor">
+            <a:schemeClr val="lt1"/>
+          </a:fontRef>
+        </p:style>
+        <p:txBody>
+          <a:bodyPr rtlCol="0" anchor="ctr"/>
+          <a:lstStyle/>
+          <a:p>
+            <a:pPr algn="ctr"/>
+            <a:endParaRPr lang="en-NL"/>
+          </a:p>
+        </p:txBody>
+      </p:sp>
+      <p:sp>
+        <p:nvSpPr>
+          <p:cNvPr id="12" name="Doughnut 11">
+            <a:extLst>
+              <a:ext uri="{FF2B5EF4-FFF2-40B4-BE49-F238E27FC236}">
+                <a16:creationId xmlns:a16="http://schemas.microsoft.com/office/drawing/2014/main" id="{7A39DD61-0B27-4241-8DC4-B4C77440EB6A}"/>
+              </a:ext>
+            </a:extLst>
+          </p:cNvPr>
+          <p:cNvSpPr/>
+          <p:nvPr/>
+        </p:nvSpPr>
+        <p:spPr>
+          <a:xfrm>
+            <a:off x="2316480" y="3851085"/>
+            <a:ext cx="2629987" cy="808002"/>
+          </a:xfrm>
+          <a:prstGeom prst="donut">
+            <a:avLst>
+              <a:gd name="adj" fmla="val 6640"/>
+            </a:avLst>
+          </a:prstGeom>
+          <a:solidFill>
+            <a:srgbClr val="FF0000"/>
+          </a:solidFill>
+          <a:ln>
+            <a:solidFill>
+              <a:srgbClr val="FF0000"/>
+            </a:solidFill>
+          </a:ln>
+        </p:spPr>
+        <p:style>
+          <a:lnRef idx="2">
+            <a:schemeClr val="accent1">
+              <a:shade val="50000"/>
+            </a:schemeClr>
+          </a:lnRef>
+          <a:fillRef idx="1">
+            <a:schemeClr val="accent1"/>
+          </a:fillRef>
+          <a:effectRef idx="0">
+            <a:schemeClr val="accent1"/>
+          </a:effectRef>
+          <a:fontRef idx="minor">
+            <a:schemeClr val="lt1"/>
+          </a:fontRef>
+        </p:style>
+        <p:txBody>
+          <a:bodyPr rtlCol="0" anchor="ctr"/>
+          <a:lstStyle/>
+          <a:p>
+            <a:pPr algn="ctr"/>
+            <a:endParaRPr lang="en-NL">
+              <a:solidFill>
+                <a:schemeClr val="tx1"/>
+              </a:solidFill>
+            </a:endParaRPr>
+          </a:p>
+        </p:txBody>
+      </p:sp>
+    </p:spTree>
+    <p:extLst>
+      <p:ext uri="{BB962C8B-B14F-4D97-AF65-F5344CB8AC3E}">
+        <p14:creationId xmlns:p14="http://schemas.microsoft.com/office/powerpoint/2010/main" val="2562405218"/>
+      </p:ext>
+    </p:extLst>
+  </p:cSld>
+  <p:clrMapOvr>
+    <a:masterClrMapping/>
+  </p:clrMapOvr>
+</p:sld>
+</file>
+
 <file path=ppt/slides/slide7.xml><?xml version="1.0" encoding="utf-8"?>
 <p:sld xmlns:a="http://schemas.openxmlformats.org/drawingml/2006/main" xmlns:r="http://schemas.openxmlformats.org/officeDocument/2006/relationships" xmlns:p="http://schemas.openxmlformats.org/presentationml/2006/main">
   <p:cSld>
@@ -6532,7 +5937,7 @@
           <p:cNvPr id="2" name="Title 1">
             <a:extLst>
               <a:ext uri="{FF2B5EF4-FFF2-40B4-BE49-F238E27FC236}">
-                <a16:creationId xmlns:a16="http://schemas.microsoft.com/office/drawing/2014/main" id="{3E39E7CF-437B-5047-A6DD-850C0B78746C}"/>
+                <a16:creationId xmlns:a16="http://schemas.microsoft.com/office/drawing/2014/main" id="{FD89630E-FF8D-564F-99EB-3C2213C56B90}"/>
               </a:ext>
             </a:extLst>
           </p:cNvPr>
@@ -6550,17 +5955,17 @@
           <a:p>
             <a:r>
               <a:rPr lang="en-NL" dirty="0"/>
-              <a:t>How about expressions of hatred, assault and harassment in public? </a:t>
+              <a:t>What does adding up the instances of discrimination mean on country level?  </a:t>
             </a:r>
           </a:p>
         </p:txBody>
       </p:sp>
       <p:pic>
         <p:nvPicPr>
-          <p:cNvPr id="5" name="Content Placeholder 4" descr="Chart&#10;&#10;Description automatically generated with low confidence">
-            <a:extLst>
-              <a:ext uri="{FF2B5EF4-FFF2-40B4-BE49-F238E27FC236}">
-                <a16:creationId xmlns:a16="http://schemas.microsoft.com/office/drawing/2014/main" id="{E48EE570-274E-E84A-95BF-61D471C3A234}"/>
+          <p:cNvPr id="5" name="Content Placeholder 4" descr="Map&#10;&#10;Description automatically generated">
+            <a:extLst>
+              <a:ext uri="{FF2B5EF4-FFF2-40B4-BE49-F238E27FC236}">
+                <a16:creationId xmlns:a16="http://schemas.microsoft.com/office/drawing/2014/main" id="{E6FD13B1-7C3C-F749-B86E-1C10F0C281D3}"/>
               </a:ext>
             </a:extLst>
           </p:cNvPr>
@@ -6571,25 +5976,24 @@
             <p:ph idx="1"/>
           </p:nvPr>
         </p:nvPicPr>
-        <p:blipFill>
+        <p:blipFill rotWithShape="1">
           <a:blip r:embed="rId3"/>
-          <a:stretch>
-            <a:fillRect/>
-          </a:stretch>
+          <a:srcRect l="25111" t="6320" r="23800" b="2522"/>
+          <a:stretch/>
         </p:blipFill>
         <p:spPr>
           <a:xfrm>
-            <a:off x="838200" y="2146521"/>
-            <a:ext cx="10515600" cy="1707750"/>
+            <a:off x="6374026" y="1569308"/>
+            <a:ext cx="4069493" cy="5288692"/>
           </a:xfrm>
         </p:spPr>
       </p:pic>
       <p:sp>
         <p:nvSpPr>
-          <p:cNvPr id="9" name="TextBox 8">
-            <a:extLst>
-              <a:ext uri="{FF2B5EF4-FFF2-40B4-BE49-F238E27FC236}">
-                <a16:creationId xmlns:a16="http://schemas.microsoft.com/office/drawing/2014/main" id="{30A49E6F-77D5-1949-ABAB-A55A5ADE8D3C}"/>
+          <p:cNvPr id="6" name="TextBox 5">
+            <a:extLst>
+              <a:ext uri="{FF2B5EF4-FFF2-40B4-BE49-F238E27FC236}">
+                <a16:creationId xmlns:a16="http://schemas.microsoft.com/office/drawing/2014/main" id="{A841BF94-4BA4-5C4F-B370-AC3B011C8C2E}"/>
               </a:ext>
             </a:extLst>
           </p:cNvPr>
@@ -6598,8 +6002,8 @@
         </p:nvSpPr>
         <p:spPr>
           <a:xfrm>
-            <a:off x="838200" y="4310104"/>
-            <a:ext cx="10903434" cy="369332"/>
+            <a:off x="951471" y="2409568"/>
+            <a:ext cx="5144530" cy="923330"/>
           </a:xfrm>
           <a:prstGeom prst="rect">
             <a:avLst/>
@@ -6607,14 +6011,14 @@
           <a:noFill/>
         </p:spPr>
         <p:txBody>
-          <a:bodyPr wrap="none" rtlCol="0">
+          <a:bodyPr wrap="square" rtlCol="0">
             <a:spAutoFit/>
           </a:bodyPr>
           <a:lstStyle/>
           <a:p>
             <a:r>
               <a:rPr lang="en-NL" dirty="0"/>
-              <a:t>For 42% of the respondents, expressions of hatred, assault and harassment are fairly to very widespread in public. </a:t>
+              <a:t>When looking at instances of discrimination in mutliple areas of life, we can see that the figures are high, with large differences per country.  </a:t>
             </a:r>
           </a:p>
         </p:txBody>
@@ -6622,7 +6026,7 @@
     </p:spTree>
     <p:extLst>
       <p:ext uri="{BB962C8B-B14F-4D97-AF65-F5344CB8AC3E}">
-        <p14:creationId xmlns:p14="http://schemas.microsoft.com/office/powerpoint/2010/main" val="559530363"/>
+        <p14:creationId xmlns:p14="http://schemas.microsoft.com/office/powerpoint/2010/main" val="538735974"/>
       </p:ext>
     </p:extLst>
   </p:cSld>
@@ -6654,7 +6058,7 @@
           <p:cNvPr id="2" name="Title 1">
             <a:extLst>
               <a:ext uri="{FF2B5EF4-FFF2-40B4-BE49-F238E27FC236}">
-                <a16:creationId xmlns:a16="http://schemas.microsoft.com/office/drawing/2014/main" id="{473EF727-BDB2-0A49-80AE-2D0B1F2F15CB}"/>
+                <a16:creationId xmlns:a16="http://schemas.microsoft.com/office/drawing/2014/main" id="{FD14D317-BD41-7447-8FCE-9413308EB859}"/>
               </a:ext>
             </a:extLst>
           </p:cNvPr>
@@ -6672,17 +6076,17 @@
           <a:p>
             <a:r>
               <a:rPr lang="en-NL" dirty="0"/>
-              <a:t>Is discrimination common?</a:t>
+              <a:t>What about direct assaults or threats?</a:t>
             </a:r>
           </a:p>
         </p:txBody>
       </p:sp>
       <p:pic>
         <p:nvPicPr>
-          <p:cNvPr id="5" name="Content Placeholder 4" descr="A picture containing chart&#10;&#10;Description automatically generated">
-            <a:extLst>
-              <a:ext uri="{FF2B5EF4-FFF2-40B4-BE49-F238E27FC236}">
-                <a16:creationId xmlns:a16="http://schemas.microsoft.com/office/drawing/2014/main" id="{015E50D0-AC9F-6147-92A4-CD20EB2E1541}"/>
+          <p:cNvPr id="9" name="Content Placeholder 8">
+            <a:extLst>
+              <a:ext uri="{FF2B5EF4-FFF2-40B4-BE49-F238E27FC236}">
+                <a16:creationId xmlns:a16="http://schemas.microsoft.com/office/drawing/2014/main" id="{4B87EBB9-2A8E-8C4C-9D8F-9F7799D5B6E8}"/>
               </a:ext>
             </a:extLst>
           </p:cNvPr>
@@ -6701,17 +6105,47 @@
         </p:blipFill>
         <p:spPr>
           <a:xfrm>
-            <a:off x="838200" y="2031750"/>
-            <a:ext cx="10515600" cy="1397250"/>
+            <a:off x="838200" y="2188222"/>
+            <a:ext cx="10515600" cy="1240778"/>
           </a:xfrm>
         </p:spPr>
       </p:pic>
-      <p:sp>
-        <p:nvSpPr>
-          <p:cNvPr id="6" name="TextBox 5">
-            <a:extLst>
-              <a:ext uri="{FF2B5EF4-FFF2-40B4-BE49-F238E27FC236}">
-                <a16:creationId xmlns:a16="http://schemas.microsoft.com/office/drawing/2014/main" id="{1E0044B9-B924-924D-B61F-E93FD6ECC992}"/>
+      <p:pic>
+        <p:nvPicPr>
+          <p:cNvPr id="11" name="Picture 10">
+            <a:extLst>
+              <a:ext uri="{FF2B5EF4-FFF2-40B4-BE49-F238E27FC236}">
+                <a16:creationId xmlns:a16="http://schemas.microsoft.com/office/drawing/2014/main" id="{E420B597-C87B-3444-9A63-3283F89CA406}"/>
+              </a:ext>
+            </a:extLst>
+          </p:cNvPr>
+          <p:cNvPicPr>
+            <a:picLocks noChangeAspect="1"/>
+          </p:cNvPicPr>
+          <p:nvPr/>
+        </p:nvPicPr>
+        <p:blipFill>
+          <a:blip r:embed="rId4"/>
+          <a:stretch>
+            <a:fillRect/>
+          </a:stretch>
+        </p:blipFill>
+        <p:spPr>
+          <a:xfrm>
+            <a:off x="838200" y="3771856"/>
+            <a:ext cx="10515600" cy="1240779"/>
+          </a:xfrm>
+          <a:prstGeom prst="rect">
+            <a:avLst/>
+          </a:prstGeom>
+        </p:spPr>
+      </p:pic>
+      <p:sp>
+        <p:nvSpPr>
+          <p:cNvPr id="12" name="TextBox 11">
+            <a:extLst>
+              <a:ext uri="{FF2B5EF4-FFF2-40B4-BE49-F238E27FC236}">
+                <a16:creationId xmlns:a16="http://schemas.microsoft.com/office/drawing/2014/main" id="{12FD4F77-0496-3B48-9730-78C554889B85}"/>
               </a:ext>
             </a:extLst>
           </p:cNvPr>
@@ -6720,8 +6154,8 @@
         </p:nvSpPr>
         <p:spPr>
           <a:xfrm>
-            <a:off x="840259" y="3657600"/>
-            <a:ext cx="7562336" cy="1754326"/>
+            <a:off x="838200" y="5467825"/>
+            <a:ext cx="9959546" cy="923330"/>
           </a:xfrm>
           <a:prstGeom prst="rect">
             <a:avLst/>
@@ -6736,64 +6170,56 @@
           <a:p>
             <a:r>
               <a:rPr lang="en-NL" dirty="0"/>
-              <a:t>Nearly half of the respondents have felt discriminated against on </a:t>
-            </a:r>
-            <a:r>
-              <a:rPr lang="en-GB" dirty="0" err="1"/>
-              <a:t>th</a:t>
-            </a:r>
+              <a:t>While 45% of respondents have been personally harassed at east once in the last 5 years, the figure drops to 24% when refering to actual assault or threats of violence. </a:t>
+            </a:r>
+          </a:p>
+          <a:p>
             <a:r>
               <a:rPr lang="en-NL" dirty="0"/>
-              <a:t>e grounds of their sexual orientation. </a:t>
-            </a:r>
-          </a:p>
-          <a:p>
-            <a:endParaRPr lang="en-NL" dirty="0"/>
-          </a:p>
-          <a:p>
-            <a:endParaRPr lang="en-NL" dirty="0"/>
-          </a:p>
-          <a:p>
-            <a:r>
-              <a:rPr lang="en-NL" dirty="0"/>
-              <a:t>Looking at the differences per country, we can see some areas that are more problematic. </a:t>
-            </a:r>
-          </a:p>
-        </p:txBody>
-      </p:sp>
-      <p:pic>
-        <p:nvPicPr>
-          <p:cNvPr id="8" name="Picture 7" descr="Map&#10;&#10;Description automatically generated">
-            <a:extLst>
-              <a:ext uri="{FF2B5EF4-FFF2-40B4-BE49-F238E27FC236}">
-                <a16:creationId xmlns:a16="http://schemas.microsoft.com/office/drawing/2014/main" id="{FEF02916-CB6D-8942-B8B8-CD0167780AA7}"/>
-              </a:ext>
-            </a:extLst>
-          </p:cNvPr>
-          <p:cNvPicPr>
-            <a:picLocks noChangeAspect="1"/>
-          </p:cNvPicPr>
+              <a:t>Still, 1 in 4 LGBT person in the EU has been faced with assault or threats of violence. </a:t>
+            </a:r>
+          </a:p>
+        </p:txBody>
+      </p:sp>
+      <p:sp>
+        <p:nvSpPr>
+          <p:cNvPr id="13" name="TextBox 12">
+            <a:extLst>
+              <a:ext uri="{FF2B5EF4-FFF2-40B4-BE49-F238E27FC236}">
+                <a16:creationId xmlns:a16="http://schemas.microsoft.com/office/drawing/2014/main" id="{76290A76-627F-5146-B80D-F2430CCD0C06}"/>
+              </a:ext>
+            </a:extLst>
+          </p:cNvPr>
+          <p:cNvSpPr txBox="1"/>
           <p:nvPr/>
-        </p:nvPicPr>
-        <p:blipFill rotWithShape="1">
-          <a:blip r:embed="rId4"/>
-          <a:srcRect l="43001" t="70811" r="42038" b="3604"/>
-          <a:stretch/>
-        </p:blipFill>
+        </p:nvSpPr>
         <p:spPr>
           <a:xfrm>
-            <a:off x="8705433" y="3429000"/>
-            <a:ext cx="2646308" cy="3296278"/>
+            <a:off x="838200" y="1845366"/>
+            <a:ext cx="3483133" cy="369332"/>
           </a:xfrm>
           <a:prstGeom prst="rect">
             <a:avLst/>
           </a:prstGeom>
+          <a:noFill/>
         </p:spPr>
-      </p:pic>
+        <p:txBody>
+          <a:bodyPr wrap="none" rtlCol="0">
+            <a:spAutoFit/>
+          </a:bodyPr>
+          <a:lstStyle/>
+          <a:p>
+            <a:r>
+              <a:rPr lang="en-NL" dirty="0"/>
+              <a:t>In the last 5 years, have you been…</a:t>
+            </a:r>
+          </a:p>
+        </p:txBody>
+      </p:sp>
     </p:spTree>
     <p:extLst>
       <p:ext uri="{BB962C8B-B14F-4D97-AF65-F5344CB8AC3E}">
-        <p14:creationId xmlns:p14="http://schemas.microsoft.com/office/powerpoint/2010/main" val="2731242153"/>
+        <p14:creationId xmlns:p14="http://schemas.microsoft.com/office/powerpoint/2010/main" val="439448617"/>
       </p:ext>
     </p:extLst>
   </p:cSld>
@@ -6825,7 +6251,7 @@
           <p:cNvPr id="2" name="Title 1">
             <a:extLst>
               <a:ext uri="{FF2B5EF4-FFF2-40B4-BE49-F238E27FC236}">
-                <a16:creationId xmlns:a16="http://schemas.microsoft.com/office/drawing/2014/main" id="{3CF50F4B-F6CE-2C48-88C8-6A31008092B3}"/>
+                <a16:creationId xmlns:a16="http://schemas.microsoft.com/office/drawing/2014/main" id="{C5F729F0-01FC-7A44-8E20-C633B329724E}"/>
               </a:ext>
             </a:extLst>
           </p:cNvPr>
@@ -6843,17 +6269,17 @@
           <a:p>
             <a:r>
               <a:rPr lang="en-NL" dirty="0"/>
-              <a:t>Where have respondents felt discriminated against? </a:t>
+              <a:t>Given the issues, can respondents be open about being LGBT? </a:t>
             </a:r>
           </a:p>
         </p:txBody>
       </p:sp>
       <p:pic>
         <p:nvPicPr>
-          <p:cNvPr id="13" name="Content Placeholder 12" descr="Chart, diagram, bar chart&#10;&#10;Description automatically generated">
-            <a:extLst>
-              <a:ext uri="{FF2B5EF4-FFF2-40B4-BE49-F238E27FC236}">
-                <a16:creationId xmlns:a16="http://schemas.microsoft.com/office/drawing/2014/main" id="{6102E752-2C44-9545-996A-DDD55291AED7}"/>
+          <p:cNvPr id="5" name="Content Placeholder 4" descr="A picture containing chart&#10;&#10;Description automatically generated">
+            <a:extLst>
+              <a:ext uri="{FF2B5EF4-FFF2-40B4-BE49-F238E27FC236}">
+                <a16:creationId xmlns:a16="http://schemas.microsoft.com/office/drawing/2014/main" id="{9AE8425F-27FD-444C-B013-9D75B2E0FB0E}"/>
               </a:ext>
             </a:extLst>
           </p:cNvPr>
@@ -6872,17 +6298,17 @@
         </p:blipFill>
         <p:spPr>
           <a:xfrm>
-            <a:off x="838200" y="1986595"/>
-            <a:ext cx="10515600" cy="2884810"/>
+            <a:off x="838200" y="2084738"/>
+            <a:ext cx="10515600" cy="1707750"/>
           </a:xfrm>
         </p:spPr>
       </p:pic>
       <p:sp>
         <p:nvSpPr>
-          <p:cNvPr id="14" name="TextBox 13">
-            <a:extLst>
-              <a:ext uri="{FF2B5EF4-FFF2-40B4-BE49-F238E27FC236}">
-                <a16:creationId xmlns:a16="http://schemas.microsoft.com/office/drawing/2014/main" id="{1CFAA5BC-5E71-6247-9874-D334E6BCA251}"/>
+          <p:cNvPr id="6" name="TextBox 5">
+            <a:extLst>
+              <a:ext uri="{FF2B5EF4-FFF2-40B4-BE49-F238E27FC236}">
+                <a16:creationId xmlns:a16="http://schemas.microsoft.com/office/drawing/2014/main" id="{DF3FB288-0481-0046-B2FD-742332CB4581}"/>
               </a:ext>
             </a:extLst>
           </p:cNvPr>
@@ -6891,8 +6317,8 @@
         </p:nvSpPr>
         <p:spPr>
           <a:xfrm>
-            <a:off x="951470" y="5214551"/>
-            <a:ext cx="8552726" cy="369332"/>
+            <a:off x="864973" y="4226011"/>
+            <a:ext cx="10488827" cy="646331"/>
           </a:xfrm>
           <a:prstGeom prst="rect">
             <a:avLst/>
@@ -6900,14 +6326,14 @@
           <a:noFill/>
         </p:spPr>
         <p:txBody>
-          <a:bodyPr wrap="none" rtlCol="0">
+          <a:bodyPr wrap="square" rtlCol="0">
             <a:spAutoFit/>
           </a:bodyPr>
           <a:lstStyle/>
           <a:p>
             <a:r>
               <a:rPr lang="en-NL" dirty="0"/>
-              <a:t>We can see that work and school are two situations where discrimination is at its highest. </a:t>
+              <a:t>When being LGBT comes with so much negativity or even violence, some people have to hide. For 44% of respondents  this means they cannot be themselves around all/most people. </a:t>
             </a:r>
           </a:p>
         </p:txBody>
@@ -6915,7 +6341,7 @@
     </p:spTree>
     <p:extLst>
       <p:ext uri="{BB962C8B-B14F-4D97-AF65-F5344CB8AC3E}">
-        <p14:creationId xmlns:p14="http://schemas.microsoft.com/office/powerpoint/2010/main" val="1952354838"/>
+        <p14:creationId xmlns:p14="http://schemas.microsoft.com/office/powerpoint/2010/main" val="457864551"/>
       </p:ext>
     </p:extLst>
   </p:cSld>

--- a/QES Survey 20220210.pptx
+++ b/QES Survey 20220210.pptx
@@ -4805,7 +4805,7 @@
         </p:blipFill>
         <p:spPr>
           <a:xfrm>
-            <a:off x="0" y="2910871"/>
+            <a:off x="0" y="3253771"/>
             <a:ext cx="12192000" cy="2520000"/>
           </a:xfrm>
           <a:prstGeom prst="rect">
@@ -4815,63 +4815,20 @@
       </p:pic>
       <p:sp>
         <p:nvSpPr>
-          <p:cNvPr id="6" name="TextBox 5">
-            <a:extLst>
-              <a:ext uri="{FF2B5EF4-FFF2-40B4-BE49-F238E27FC236}">
-                <a16:creationId xmlns:a16="http://schemas.microsoft.com/office/drawing/2014/main" id="{FD5752B3-C328-E549-8794-33E3B4AF816B}"/>
-              </a:ext>
-            </a:extLst>
-          </p:cNvPr>
-          <p:cNvSpPr txBox="1"/>
+          <p:cNvPr id="7" name="Doughnut 6">
+            <a:extLst>
+              <a:ext uri="{FF2B5EF4-FFF2-40B4-BE49-F238E27FC236}">
+                <a16:creationId xmlns:a16="http://schemas.microsoft.com/office/drawing/2014/main" id="{8180004B-1E76-0146-B77A-6150DF76256D}"/>
+              </a:ext>
+            </a:extLst>
+          </p:cNvPr>
+          <p:cNvSpPr/>
           <p:nvPr/>
         </p:nvSpPr>
         <p:spPr>
           <a:xfrm>
-            <a:off x="838201" y="5693434"/>
-            <a:ext cx="10515599" cy="646331"/>
-          </a:xfrm>
-          <a:prstGeom prst="rect">
-            <a:avLst/>
-          </a:prstGeom>
-          <a:noFill/>
-        </p:spPr>
-        <p:txBody>
-          <a:bodyPr wrap="square" rtlCol="0">
-            <a:spAutoFit/>
-          </a:bodyPr>
-          <a:lstStyle/>
-          <a:p>
-            <a:r>
-              <a:rPr lang="en-NL" dirty="0"/>
-              <a:t>Something everybody can do is be an active ally. C</a:t>
-            </a:r>
-            <a:r>
-              <a:rPr lang="en-GB" dirty="0"/>
-              <a:t>a</a:t>
-            </a:r>
-            <a:r>
-              <a:rPr lang="en-NL" dirty="0"/>
-              <a:t>ll people out if they use offensive language or ”jokes”, speak up when we see discrimination, etc. </a:t>
-            </a:r>
-          </a:p>
-        </p:txBody>
-      </p:sp>
-      <p:sp>
-        <p:nvSpPr>
-          <p:cNvPr id="7" name="Doughnut 6">
-            <a:extLst>
-              <a:ext uri="{FF2B5EF4-FFF2-40B4-BE49-F238E27FC236}">
-                <a16:creationId xmlns:a16="http://schemas.microsoft.com/office/drawing/2014/main" id="{8180004B-1E76-0146-B77A-6150DF76256D}"/>
-              </a:ext>
-            </a:extLst>
-          </p:cNvPr>
-          <p:cNvSpPr/>
-          <p:nvPr/>
-        </p:nvSpPr>
-        <p:spPr>
-          <a:xfrm>
-            <a:off x="348343" y="3317966"/>
-            <a:ext cx="4423954" cy="592183"/>
+            <a:off x="376918" y="3668010"/>
+            <a:ext cx="4423954" cy="632528"/>
           </a:xfrm>
           <a:prstGeom prst="donut">
             <a:avLst>
